--- a/Thesis.pptx
+++ b/Thesis.pptx
@@ -112,6 +112,14 @@
       </a:defRPr>
     </a:lvl9pPr>
   </p:defaultTextStyle>
+  <p:extLst>
+    <p:ext uri="{EFAFB233-063F-42B5-8137-9DF3F51BA10A}">
+      <p15:sldGuideLst xmlns:p15="http://schemas.microsoft.com/office/powerpoint/2012/main"/>
+    </p:ext>
+    <p:ext uri="{2D200454-40CA-4A62-9FC3-DE9A4176ACB9}">
+      <p15:notesGuideLst xmlns:p15="http://schemas.microsoft.com/office/powerpoint/2012/main"/>
+    </p:ext>
+  </p:extLst>
 </p:presentation>
 </file>
 
@@ -5114,7 +5122,11 @@
           <a:bodyPr/>
           <a:lstStyle/>
           <a:p>
-            <a:endParaRPr lang="en-US"/>
+            <a:r>
+              <a:rPr lang="en-US" dirty="0" smtClean="0"/>
+              <a:t>Charles Baum and Christopher Ruhm</a:t>
+            </a:r>
+            <a:endParaRPr lang="en-US" dirty="0"/>
           </a:p>
         </p:txBody>
       </p:sp>
@@ -5133,7 +5145,31 @@
           <a:bodyPr/>
           <a:lstStyle/>
           <a:p>
-            <a:endParaRPr lang="en-US"/>
+            <a:r>
+              <a:rPr lang="en-US" dirty="0"/>
+              <a:t>The Effects of Paid Family Leave in California on Labor Market </a:t>
+            </a:r>
+            <a:r>
+              <a:rPr lang="en-US" dirty="0" smtClean="0"/>
+              <a:t>Outcomes (2014)</a:t>
+            </a:r>
+          </a:p>
+          <a:p>
+            <a:pPr>
+              <a:buFont typeface="Wingdings" panose="05000000000000000000" pitchFamily="2" charset="2"/>
+              <a:buChar char="§"/>
+            </a:pPr>
+            <a:r>
+              <a:rPr lang="en-US" dirty="0" smtClean="0"/>
+              <a:t>Data: National Longitudinal Survey of Youth: 1997 Cohort</a:t>
+            </a:r>
+          </a:p>
+          <a:p>
+            <a:pPr>
+              <a:buFont typeface="Wingdings" panose="05000000000000000000" pitchFamily="2" charset="2"/>
+              <a:buChar char="§"/>
+            </a:pPr>
+            <a:endParaRPr lang="en-US" dirty="0"/>
           </a:p>
         </p:txBody>
       </p:sp>

--- a/Thesis.pptx
+++ b/Thesis.pptx
@@ -5,15 +5,17 @@
     <p:sldMasterId id="2147483648" r:id="rId1"/>
   </p:sldMasterIdLst>
   <p:notesMasterIdLst>
-    <p:notesMasterId r:id="rId8"/>
+    <p:notesMasterId r:id="rId10"/>
   </p:notesMasterIdLst>
   <p:sldIdLst>
     <p:sldId id="256" r:id="rId2"/>
     <p:sldId id="257" r:id="rId3"/>
     <p:sldId id="258" r:id="rId4"/>
-    <p:sldId id="259" r:id="rId5"/>
-    <p:sldId id="260" r:id="rId6"/>
-    <p:sldId id="261" r:id="rId7"/>
+    <p:sldId id="263" r:id="rId5"/>
+    <p:sldId id="259" r:id="rId6"/>
+    <p:sldId id="260" r:id="rId7"/>
+    <p:sldId id="261" r:id="rId8"/>
+    <p:sldId id="262" r:id="rId9"/>
   </p:sldIdLst>
   <p:sldSz cx="12192000" cy="6858000"/>
   <p:notesSz cx="6858000" cy="9144000"/>
@@ -205,7 +207,7 @@
           <a:p>
             <a:fld id="{5E6A6F8C-1A47-46D8-AB3C-34DE9D184F51}" type="datetimeFigureOut">
               <a:rPr lang="en-US" smtClean="0"/>
-              <a:t>7/17/2019</a:t>
+              <a:t>7/18/2019</a:t>
             </a:fld>
             <a:endParaRPr lang="en-US"/>
           </a:p>
@@ -685,6 +687,90 @@
           <a:bodyPr/>
           <a:lstStyle/>
           <a:p>
+            <a:endParaRPr lang="en-US"/>
+          </a:p>
+        </p:txBody>
+      </p:sp>
+      <p:sp>
+        <p:nvSpPr>
+          <p:cNvPr id="4" name="Slide Number Placeholder 3"/>
+          <p:cNvSpPr>
+            <a:spLocks noGrp="1"/>
+          </p:cNvSpPr>
+          <p:nvPr>
+            <p:ph type="sldNum" sz="quarter" idx="10"/>
+          </p:nvPr>
+        </p:nvSpPr>
+        <p:spPr/>
+        <p:txBody>
+          <a:bodyPr/>
+          <a:lstStyle/>
+          <a:p>
+            <a:fld id="{41A4063A-F033-4EA7-A7ED-7C0776899A7A}" type="slidenum">
+              <a:rPr lang="en-US" smtClean="0"/>
+              <a:t>4</a:t>
+            </a:fld>
+            <a:endParaRPr lang="en-US"/>
+          </a:p>
+        </p:txBody>
+      </p:sp>
+    </p:spTree>
+    <p:extLst>
+      <p:ext uri="{BB962C8B-B14F-4D97-AF65-F5344CB8AC3E}">
+        <p14:creationId xmlns:p14="http://schemas.microsoft.com/office/powerpoint/2010/main" val="3476378708"/>
+      </p:ext>
+    </p:extLst>
+  </p:cSld>
+  <p:clrMapOvr>
+    <a:masterClrMapping/>
+  </p:clrMapOvr>
+</p:notes>
+</file>
+
+<file path=ppt/notesSlides/notesSlide4.xml><?xml version="1.0" encoding="utf-8"?>
+<p:notes xmlns:a="http://schemas.openxmlformats.org/drawingml/2006/main" xmlns:r="http://schemas.openxmlformats.org/officeDocument/2006/relationships" xmlns:p="http://schemas.openxmlformats.org/presentationml/2006/main">
+  <p:cSld>
+    <p:spTree>
+      <p:nvGrpSpPr>
+        <p:cNvPr id="1" name=""/>
+        <p:cNvGrpSpPr/>
+        <p:nvPr/>
+      </p:nvGrpSpPr>
+      <p:grpSpPr>
+        <a:xfrm>
+          <a:off x="0" y="0"/>
+          <a:ext cx="0" cy="0"/>
+          <a:chOff x="0" y="0"/>
+          <a:chExt cx="0" cy="0"/>
+        </a:xfrm>
+      </p:grpSpPr>
+      <p:sp>
+        <p:nvSpPr>
+          <p:cNvPr id="2" name="Slide Image Placeholder 1"/>
+          <p:cNvSpPr>
+            <a:spLocks noGrp="1" noRot="1" noChangeAspect="1"/>
+          </p:cNvSpPr>
+          <p:nvPr>
+            <p:ph type="sldImg"/>
+          </p:nvPr>
+        </p:nvSpPr>
+        <p:spPr/>
+      </p:sp>
+      <p:sp>
+        <p:nvSpPr>
+          <p:cNvPr id="3" name="Notes Placeholder 2"/>
+          <p:cNvSpPr>
+            <a:spLocks noGrp="1"/>
+          </p:cNvSpPr>
+          <p:nvPr>
+            <p:ph type="body" idx="1"/>
+          </p:nvPr>
+        </p:nvSpPr>
+        <p:spPr/>
+        <p:txBody>
+          <a:bodyPr/>
+          <a:lstStyle/>
+          <a:p>
             <a:r>
               <a:rPr lang="en-US" dirty="0" smtClean="0"/>
               <a:t>I think it would be prudent</a:t>
@@ -799,7 +885,7 @@
           <a:p>
             <a:fld id="{41A4063A-F033-4EA7-A7ED-7C0776899A7A}" type="slidenum">
               <a:rPr lang="en-US" smtClean="0"/>
-              <a:t>4</a:t>
+              <a:t>5</a:t>
             </a:fld>
             <a:endParaRPr lang="en-US"/>
           </a:p>
@@ -809,6 +895,182 @@
     <p:extLst>
       <p:ext uri="{BB962C8B-B14F-4D97-AF65-F5344CB8AC3E}">
         <p14:creationId xmlns:p14="http://schemas.microsoft.com/office/powerpoint/2010/main" val="303102918"/>
+      </p:ext>
+    </p:extLst>
+  </p:cSld>
+  <p:clrMapOvr>
+    <a:masterClrMapping/>
+  </p:clrMapOvr>
+</p:notes>
+</file>
+
+<file path=ppt/notesSlides/notesSlide5.xml><?xml version="1.0" encoding="utf-8"?>
+<p:notes xmlns:a="http://schemas.openxmlformats.org/drawingml/2006/main" xmlns:r="http://schemas.openxmlformats.org/officeDocument/2006/relationships" xmlns:p="http://schemas.openxmlformats.org/presentationml/2006/main">
+  <p:cSld>
+    <p:spTree>
+      <p:nvGrpSpPr>
+        <p:cNvPr id="1" name=""/>
+        <p:cNvGrpSpPr/>
+        <p:nvPr/>
+      </p:nvGrpSpPr>
+      <p:grpSpPr>
+        <a:xfrm>
+          <a:off x="0" y="0"/>
+          <a:ext cx="0" cy="0"/>
+          <a:chOff x="0" y="0"/>
+          <a:chExt cx="0" cy="0"/>
+        </a:xfrm>
+      </p:grpSpPr>
+      <p:sp>
+        <p:nvSpPr>
+          <p:cNvPr id="2" name="Slide Image Placeholder 1"/>
+          <p:cNvSpPr>
+            <a:spLocks noGrp="1" noRot="1" noChangeAspect="1"/>
+          </p:cNvSpPr>
+          <p:nvPr>
+            <p:ph type="sldImg"/>
+          </p:nvPr>
+        </p:nvSpPr>
+        <p:spPr/>
+      </p:sp>
+      <p:sp>
+        <p:nvSpPr>
+          <p:cNvPr id="3" name="Notes Placeholder 2"/>
+          <p:cNvSpPr>
+            <a:spLocks noGrp="1"/>
+          </p:cNvSpPr>
+          <p:nvPr>
+            <p:ph type="body" idx="1"/>
+          </p:nvPr>
+        </p:nvSpPr>
+        <p:spPr/>
+        <p:txBody>
+          <a:bodyPr/>
+          <a:lstStyle/>
+          <a:p>
+            <a:r>
+              <a:rPr lang="en-US" dirty="0" smtClean="0"/>
+              <a:t>“There is consistent evidence that CA-PFL increased the likelihood that mothers have returned to work by a year after birth and raised maternal hours and weeks of work by 11 to 19 percent during the second year of the child’s life. Paid leave is also predicted to raise hourly wages at the end of the first year by 7 percent, but this estimate is imprecise and statistically insignificant”</a:t>
+            </a:r>
+            <a:endParaRPr lang="en-US" dirty="0"/>
+          </a:p>
+        </p:txBody>
+      </p:sp>
+      <p:sp>
+        <p:nvSpPr>
+          <p:cNvPr id="4" name="Slide Number Placeholder 3"/>
+          <p:cNvSpPr>
+            <a:spLocks noGrp="1"/>
+          </p:cNvSpPr>
+          <p:nvPr>
+            <p:ph type="sldNum" sz="quarter" idx="10"/>
+          </p:nvPr>
+        </p:nvSpPr>
+        <p:spPr/>
+        <p:txBody>
+          <a:bodyPr/>
+          <a:lstStyle/>
+          <a:p>
+            <a:fld id="{41A4063A-F033-4EA7-A7ED-7C0776899A7A}" type="slidenum">
+              <a:rPr lang="en-US" smtClean="0"/>
+              <a:t>7</a:t>
+            </a:fld>
+            <a:endParaRPr lang="en-US"/>
+          </a:p>
+        </p:txBody>
+      </p:sp>
+    </p:spTree>
+    <p:extLst>
+      <p:ext uri="{BB962C8B-B14F-4D97-AF65-F5344CB8AC3E}">
+        <p14:creationId xmlns:p14="http://schemas.microsoft.com/office/powerpoint/2010/main" val="440683090"/>
+      </p:ext>
+    </p:extLst>
+  </p:cSld>
+  <p:clrMapOvr>
+    <a:masterClrMapping/>
+  </p:clrMapOvr>
+</p:notes>
+</file>
+
+<file path=ppt/notesSlides/notesSlide6.xml><?xml version="1.0" encoding="utf-8"?>
+<p:notes xmlns:a="http://schemas.openxmlformats.org/drawingml/2006/main" xmlns:r="http://schemas.openxmlformats.org/officeDocument/2006/relationships" xmlns:p="http://schemas.openxmlformats.org/presentationml/2006/main">
+  <p:cSld>
+    <p:spTree>
+      <p:nvGrpSpPr>
+        <p:cNvPr id="1" name=""/>
+        <p:cNvGrpSpPr/>
+        <p:nvPr/>
+      </p:nvGrpSpPr>
+      <p:grpSpPr>
+        <a:xfrm>
+          <a:off x="0" y="0"/>
+          <a:ext cx="0" cy="0"/>
+          <a:chOff x="0" y="0"/>
+          <a:chExt cx="0" cy="0"/>
+        </a:xfrm>
+      </p:grpSpPr>
+      <p:sp>
+        <p:nvSpPr>
+          <p:cNvPr id="2" name="Slide Image Placeholder 1"/>
+          <p:cNvSpPr>
+            <a:spLocks noGrp="1" noRot="1" noChangeAspect="1"/>
+          </p:cNvSpPr>
+          <p:nvPr>
+            <p:ph type="sldImg"/>
+          </p:nvPr>
+        </p:nvSpPr>
+        <p:spPr/>
+      </p:sp>
+      <p:sp>
+        <p:nvSpPr>
+          <p:cNvPr id="3" name="Notes Placeholder 2"/>
+          <p:cNvSpPr>
+            <a:spLocks noGrp="1"/>
+          </p:cNvSpPr>
+          <p:nvPr>
+            <p:ph type="body" idx="1"/>
+          </p:nvPr>
+        </p:nvSpPr>
+        <p:spPr/>
+        <p:txBody>
+          <a:bodyPr/>
+          <a:lstStyle/>
+          <a:p>
+            <a:r>
+              <a:rPr lang="en-US" dirty="0" smtClean="0"/>
+              <a:t>“Our final dataset consists of 34,270 observations. The unit of observation is a state, gender, age group, and year average value.”</a:t>
+            </a:r>
+            <a:endParaRPr lang="en-US" dirty="0"/>
+          </a:p>
+        </p:txBody>
+      </p:sp>
+      <p:sp>
+        <p:nvSpPr>
+          <p:cNvPr id="4" name="Slide Number Placeholder 3"/>
+          <p:cNvSpPr>
+            <a:spLocks noGrp="1"/>
+          </p:cNvSpPr>
+          <p:nvPr>
+            <p:ph type="sldNum" sz="quarter" idx="10"/>
+          </p:nvPr>
+        </p:nvSpPr>
+        <p:spPr/>
+        <p:txBody>
+          <a:bodyPr/>
+          <a:lstStyle/>
+          <a:p>
+            <a:fld id="{41A4063A-F033-4EA7-A7ED-7C0776899A7A}" type="slidenum">
+              <a:rPr lang="en-US" smtClean="0"/>
+              <a:t>8</a:t>
+            </a:fld>
+            <a:endParaRPr lang="en-US"/>
+          </a:p>
+        </p:txBody>
+      </p:sp>
+    </p:spTree>
+    <p:extLst>
+      <p:ext uri="{BB962C8B-B14F-4D97-AF65-F5344CB8AC3E}">
+        <p14:creationId xmlns:p14="http://schemas.microsoft.com/office/powerpoint/2010/main" val="4018270592"/>
       </p:ext>
     </p:extLst>
   </p:cSld>
@@ -1044,7 +1306,7 @@
           <a:p>
             <a:fld id="{96DFF08F-DC6B-4601-B491-B0F83F6DD2DA}" type="datetimeFigureOut">
               <a:rPr lang="en-US" dirty="0"/>
-              <a:t>7/17/2019</a:t>
+              <a:t>7/18/2019</a:t>
             </a:fld>
             <a:endParaRPr lang="en-US" dirty="0"/>
           </a:p>
@@ -1247,7 +1509,7 @@
           <a:p>
             <a:fld id="{96DFF08F-DC6B-4601-B491-B0F83F6DD2DA}" type="datetimeFigureOut">
               <a:rPr lang="en-US" dirty="0"/>
-              <a:t>7/17/2019</a:t>
+              <a:t>7/18/2019</a:t>
             </a:fld>
             <a:endParaRPr lang="en-US" dirty="0"/>
           </a:p>
@@ -1498,7 +1760,7 @@
           <a:p>
             <a:fld id="{96DFF08F-DC6B-4601-B491-B0F83F6DD2DA}" type="datetimeFigureOut">
               <a:rPr lang="en-US" dirty="0"/>
-              <a:t>7/17/2019</a:t>
+              <a:t>7/18/2019</a:t>
             </a:fld>
             <a:endParaRPr lang="en-US" dirty="0"/>
           </a:p>
@@ -1663,7 +1925,7 @@
           <a:p>
             <a:fld id="{D62CEF3B-A037-46D0-B02C-1428F07E9383}" type="datetimeFigureOut">
               <a:rPr lang="en-US" dirty="0"/>
-              <a:t>7/17/2019</a:t>
+              <a:t>7/18/2019</a:t>
             </a:fld>
             <a:endParaRPr lang="en-US" dirty="0"/>
           </a:p>
@@ -2001,7 +2263,7 @@
           <a:p>
             <a:fld id="{96DFF08F-DC6B-4601-B491-B0F83F6DD2DA}" type="datetimeFigureOut">
               <a:rPr lang="en-US" dirty="0"/>
-              <a:t>7/17/2019</a:t>
+              <a:t>7/18/2019</a:t>
             </a:fld>
             <a:endParaRPr lang="en-US" dirty="0"/>
           </a:p>
@@ -2271,7 +2533,7 @@
           <a:p>
             <a:fld id="{96DFF08F-DC6B-4601-B491-B0F83F6DD2DA}" type="datetimeFigureOut">
               <a:rPr lang="en-US" dirty="0"/>
-              <a:t>7/17/2019</a:t>
+              <a:t>7/18/2019</a:t>
             </a:fld>
             <a:endParaRPr lang="en-US" dirty="0"/>
           </a:p>
@@ -2645,7 +2907,7 @@
           <a:p>
             <a:fld id="{96DFF08F-DC6B-4601-B491-B0F83F6DD2DA}" type="datetimeFigureOut">
               <a:rPr lang="en-US" dirty="0"/>
-              <a:t>7/17/2019</a:t>
+              <a:t>7/18/2019</a:t>
             </a:fld>
             <a:endParaRPr lang="en-US" dirty="0"/>
           </a:p>
@@ -2758,7 +3020,7 @@
           <a:p>
             <a:fld id="{96DFF08F-DC6B-4601-B491-B0F83F6DD2DA}" type="datetimeFigureOut">
               <a:rPr lang="en-US" dirty="0"/>
-              <a:t>7/17/2019</a:t>
+              <a:t>7/18/2019</a:t>
             </a:fld>
             <a:endParaRPr lang="en-US" dirty="0"/>
           </a:p>
@@ -2925,7 +3187,7 @@
             <a:fld id="{96DFF08F-DC6B-4601-B491-B0F83F6DD2DA}" type="datetimeFigureOut">
               <a:rPr lang="en-US" dirty="0"/>
               <a:pPr/>
-              <a:t>7/17/2019</a:t>
+              <a:t>7/18/2019</a:t>
             </a:fld>
             <a:endParaRPr lang="en-US" dirty="0"/>
           </a:p>
@@ -3276,7 +3538,7 @@
             <a:fld id="{96DFF08F-DC6B-4601-B491-B0F83F6DD2DA}" type="datetimeFigureOut">
               <a:rPr lang="en-US" dirty="0"/>
               <a:pPr/>
-              <a:t>7/17/2019</a:t>
+              <a:t>7/18/2019</a:t>
             </a:fld>
             <a:endParaRPr lang="en-US" dirty="0"/>
           </a:p>
@@ -3649,7 +3911,7 @@
           <a:p>
             <a:fld id="{96DFF08F-DC6B-4601-B491-B0F83F6DD2DA}" type="datetimeFigureOut">
               <a:rPr lang="en-US" dirty="0"/>
-              <a:t>7/17/2019</a:t>
+              <a:t>7/18/2019</a:t>
             </a:fld>
             <a:endParaRPr lang="en-US" dirty="0"/>
           </a:p>
@@ -3932,7 +4194,7 @@
             <a:fld id="{96DFF08F-DC6B-4601-B491-B0F83F6DD2DA}" type="datetimeFigureOut">
               <a:rPr lang="en-US" dirty="0"/>
               <a:pPr/>
-              <a:t>7/17/2019</a:t>
+              <a:t>7/18/2019</a:t>
             </a:fld>
             <a:endParaRPr lang="en-US" dirty="0"/>
           </a:p>
@@ -4810,7 +5072,7 @@
           <a:p>
             <a:r>
               <a:rPr lang="en-US" dirty="0" smtClean="0"/>
-              <a:t>Tanya Byker</a:t>
+              <a:t>Literature Review</a:t>
             </a:r>
             <a:endParaRPr lang="en-US" dirty="0"/>
           </a:p>
@@ -4828,38 +5090,20 @@
         </p:nvSpPr>
         <p:spPr/>
         <p:txBody>
-          <a:bodyPr>
-            <a:normAutofit/>
-          </a:bodyPr>
-          <a:lstStyle/>
-          <a:p>
-            <a:r>
-              <a:rPr lang="en-US" dirty="0"/>
-              <a:t>Paid Parental Leave Laws in the United States: Does Short-Duration Leave Affect Women’s Labor-Force Attachment</a:t>
-            </a:r>
-            <a:r>
-              <a:rPr lang="en-US" dirty="0" smtClean="0"/>
-              <a:t>? (2016)</a:t>
-            </a:r>
-          </a:p>
+          <a:bodyPr/>
+          <a:lstStyle/>
           <a:p>
             <a:pPr>
               <a:buFont typeface="Wingdings" panose="05000000000000000000" pitchFamily="2" charset="2"/>
               <a:buChar char="§"/>
             </a:pPr>
             <a:r>
+              <a:rPr lang="en-US" dirty="0"/>
+              <a:t>Paid Parental Leave Laws in the United States: Does Short-Duration Leave Affect Women’s Labor-Force Attachment? </a:t>
+            </a:r>
+            <a:r>
               <a:rPr lang="en-US" dirty="0" smtClean="0"/>
-              <a:t>Data: Survey of Income and Program Participation </a:t>
-            </a:r>
-          </a:p>
-          <a:p>
-            <a:pPr lvl="1">
-              <a:buFont typeface="Wingdings" panose="05000000000000000000" pitchFamily="2" charset="2"/>
-              <a:buChar char="§"/>
-            </a:pPr>
-            <a:r>
-              <a:rPr lang="en-US" dirty="0" smtClean="0"/>
-              <a:t>Panels from 1996, 2001, 2004, 2008</a:t>
+              <a:t>(Byker 2016)</a:t>
             </a:r>
           </a:p>
           <a:p>
@@ -4868,8 +5112,12 @@
               <a:buChar char="§"/>
             </a:pPr>
             <a:r>
+              <a:rPr lang="en-US" dirty="0"/>
+              <a:t>The Effects of California’s Paid Family Leave Program on Mothers’ Leave-Taking and Subsequent Labor Market Outcomes </a:t>
+            </a:r>
+            <a:r>
               <a:rPr lang="en-US" dirty="0" smtClean="0"/>
-              <a:t>Methodology: Difference-in-difference estimation</a:t>
+              <a:t>(Rossin-Slater, Ruhm, Waldfogel 2013)</a:t>
             </a:r>
           </a:p>
           <a:p>
@@ -4878,59 +5126,82 @@
               <a:buChar char="§"/>
             </a:pPr>
             <a:r>
+              <a:rPr lang="en-US" dirty="0"/>
+              <a:t>The Effects of Paid Family Leave in California on Labor Market Outcomes </a:t>
+            </a:r>
+            <a:r>
               <a:rPr lang="en-US" dirty="0" smtClean="0"/>
-              <a:t>Findings: </a:t>
-            </a:r>
-          </a:p>
-          <a:p>
-            <a:pPr lvl="1">
+              <a:t>(Baum and Ruhm 2014)</a:t>
+            </a:r>
+          </a:p>
+          <a:p>
+            <a:pPr>
               <a:buFont typeface="Wingdings" panose="05000000000000000000" pitchFamily="2" charset="2"/>
               <a:buChar char="§"/>
             </a:pPr>
             <a:r>
+              <a:rPr lang="en-US" dirty="0"/>
+              <a:t>Unanticipated Effects of California’s Paid Family Leave Program </a:t>
+            </a:r>
+            <a:r>
               <a:rPr lang="en-US" dirty="0" smtClean="0"/>
-              <a:t>Positive and significant effect on labor-force participation of all mothers in the period of 3 months before birth to three months after birth. </a:t>
-            </a:r>
-          </a:p>
-          <a:p>
-            <a:pPr lvl="1">
+              <a:t>(Das and Polachek 2015)</a:t>
+            </a:r>
+          </a:p>
+          <a:p>
+            <a:pPr>
               <a:buFont typeface="Wingdings" panose="05000000000000000000" pitchFamily="2" charset="2"/>
               <a:buChar char="§"/>
             </a:pPr>
-            <a:r>
-              <a:rPr lang="en-US" dirty="0" smtClean="0"/>
-              <a:t>Positive but insignificant effect on employment of mothers without college degrees in the period of six months after birth to twelve months after birth.</a:t>
-            </a:r>
-          </a:p>
-          <a:p>
-            <a:pPr lvl="1">
+            <a:endParaRPr lang="en-US" dirty="0"/>
+          </a:p>
+          <a:p>
+            <a:pPr>
               <a:buFont typeface="Wingdings" panose="05000000000000000000" pitchFamily="2" charset="2"/>
               <a:buChar char="§"/>
             </a:pPr>
-            <a:r>
-              <a:rPr lang="en-US" dirty="0" smtClean="0"/>
-              <a:t>Negative and significant effect on unemployment of mothers without college degrees in the period of six months after birth to twelve months after birth</a:t>
-            </a:r>
+            <a:endParaRPr lang="en-US" dirty="0"/>
+          </a:p>
+          <a:p>
+            <a:pPr>
+              <a:buFont typeface="Wingdings" panose="05000000000000000000" pitchFamily="2" charset="2"/>
+              <a:buChar char="§"/>
+            </a:pPr>
+            <a:endParaRPr lang="en-US" dirty="0"/>
+          </a:p>
+          <a:p>
+            <a:pPr>
+              <a:buFont typeface="Wingdings" panose="05000000000000000000" pitchFamily="2" charset="2"/>
+              <a:buChar char="§"/>
+            </a:pPr>
+            <a:endParaRPr lang="en-US" dirty="0" smtClean="0"/>
+          </a:p>
+          <a:p>
+            <a:pPr>
+              <a:buFont typeface="Wingdings" panose="05000000000000000000" pitchFamily="2" charset="2"/>
+              <a:buChar char="§"/>
+            </a:pPr>
+            <a:endParaRPr lang="en-US" dirty="0"/>
+          </a:p>
+          <a:p>
+            <a:pPr>
+              <a:buFont typeface="Wingdings" panose="05000000000000000000" pitchFamily="2" charset="2"/>
+              <a:buChar char="§"/>
+            </a:pPr>
+            <a:endParaRPr lang="en-US" dirty="0"/>
           </a:p>
         </p:txBody>
       </p:sp>
     </p:spTree>
     <p:extLst>
       <p:ext uri="{BB962C8B-B14F-4D97-AF65-F5344CB8AC3E}">
-        <p14:creationId xmlns:p14="http://schemas.microsoft.com/office/powerpoint/2010/main" val="1553187131"/>
+        <p14:creationId xmlns:p14="http://schemas.microsoft.com/office/powerpoint/2010/main" val="2933382055"/>
       </p:ext>
     </p:extLst>
   </p:cSld>
   <p:clrMapOvr>
     <a:masterClrMapping/>
   </p:clrMapOvr>
-  <p:timing>
-    <p:tnLst>
-      <p:par>
-        <p:cTn id="1" dur="indefinite" restart="never" nodeType="tmRoot"/>
-      </p:par>
-    </p:tnLst>
-  </p:timing>
 </p:sld>
 </file>
 
@@ -4968,7 +5239,7 @@
           <a:p>
             <a:r>
               <a:rPr lang="en-US" dirty="0" smtClean="0"/>
-              <a:t>Rossin-Slater, Ruhm, and Waldfogel</a:t>
+              <a:t>Tanya Byker</a:t>
             </a:r>
             <a:endParaRPr lang="en-US" dirty="0"/>
           </a:p>
@@ -4986,16 +5257,18 @@
         </p:nvSpPr>
         <p:spPr/>
         <p:txBody>
-          <a:bodyPr/>
+          <a:bodyPr>
+            <a:normAutofit/>
+          </a:bodyPr>
           <a:lstStyle/>
           <a:p>
             <a:r>
               <a:rPr lang="en-US" dirty="0"/>
-              <a:t>The Effects of California’s Paid Family Leave Program on Mothers’ Leave-Taking and Subsequent Labor Market </a:t>
+              <a:t>Paid Parental Leave Laws in the United States: Does Short-Duration Leave Affect Women’s Labor-Force Attachment</a:t>
             </a:r>
             <a:r>
               <a:rPr lang="en-US" dirty="0" smtClean="0"/>
-              <a:t>Outcomes (2013)</a:t>
+              <a:t>? (2016)</a:t>
             </a:r>
           </a:p>
           <a:p>
@@ -5005,7 +5278,7 @@
             </a:pPr>
             <a:r>
               <a:rPr lang="en-US" dirty="0" smtClean="0"/>
-              <a:t>Data: March Current Population Study</a:t>
+              <a:t>Data: Survey of Income and Program Participation </a:t>
             </a:r>
           </a:p>
           <a:p>
@@ -5015,7 +5288,7 @@
             </a:pPr>
             <a:r>
               <a:rPr lang="en-US" dirty="0" smtClean="0"/>
-              <a:t>Annual data from years 1999 to 2010</a:t>
+              <a:t>Panels from 1996, 2001, 2004, 2008</a:t>
             </a:r>
           </a:p>
           <a:p>
@@ -5025,7 +5298,17 @@
             </a:pPr>
             <a:r>
               <a:rPr lang="en-US" dirty="0" smtClean="0"/>
-              <a:t>Methodology: </a:t>
+              <a:t>Methodology: Difference-in-difference estimation</a:t>
+            </a:r>
+          </a:p>
+          <a:p>
+            <a:pPr>
+              <a:buFont typeface="Wingdings" panose="05000000000000000000" pitchFamily="2" charset="2"/>
+              <a:buChar char="§"/>
+            </a:pPr>
+            <a:r>
+              <a:rPr lang="en-US" dirty="0" smtClean="0"/>
+              <a:t>Findings: </a:t>
             </a:r>
           </a:p>
           <a:p>
@@ -5035,17 +5318,7 @@
             </a:pPr>
             <a:r>
               <a:rPr lang="en-US" dirty="0" smtClean="0"/>
-              <a:t>Difference-in-Difference estimation of the effect of California’s Paid Family Leave Policy</a:t>
-            </a:r>
-          </a:p>
-          <a:p>
-            <a:pPr>
-              <a:buFont typeface="Wingdings" panose="05000000000000000000" pitchFamily="2" charset="2"/>
-              <a:buChar char="§"/>
-            </a:pPr>
-            <a:r>
-              <a:rPr lang="en-US" dirty="0" smtClean="0"/>
-              <a:t>Findings: </a:t>
+              <a:t>Positive and significant effect on labor-force participation of all mothers in the period of 3 months before birth to three months after birth. </a:t>
             </a:r>
           </a:p>
           <a:p>
@@ -5055,7 +5328,7 @@
             </a:pPr>
             <a:r>
               <a:rPr lang="en-US" dirty="0" smtClean="0"/>
-              <a:t>Increase of maternity leave use from three weeks to six weeks</a:t>
+              <a:t>Positive but insignificant effect on employment of mothers without college degrees in the period of six months after birth to twelve months after birth.</a:t>
             </a:r>
           </a:p>
           <a:p>
@@ -5065,7 +5338,7 @@
             </a:pPr>
             <a:r>
               <a:rPr lang="en-US" dirty="0" smtClean="0"/>
-              <a:t>10 to 17 percent increase in usual weekly work hours of employed women 1 to 3 years after childbirth</a:t>
+              <a:t>Negative and significant effect on unemployment of mothers without college degrees in the period of six months after birth to twelve months after birth</a:t>
             </a:r>
           </a:p>
         </p:txBody>
@@ -5073,7 +5346,7 @@
     </p:spTree>
     <p:extLst>
       <p:ext uri="{BB962C8B-B14F-4D97-AF65-F5344CB8AC3E}">
-        <p14:creationId xmlns:p14="http://schemas.microsoft.com/office/powerpoint/2010/main" val="510316815"/>
+        <p14:creationId xmlns:p14="http://schemas.microsoft.com/office/powerpoint/2010/main" val="1553187131"/>
       </p:ext>
     </p:extLst>
   </p:cSld>
@@ -5124,7 +5397,7 @@
           <a:p>
             <a:r>
               <a:rPr lang="en-US" dirty="0" smtClean="0"/>
-              <a:t>Charles Baum and Christopher Ruhm</a:t>
+              <a:t>Rossin-Slater, Ruhm, and Waldfogel</a:t>
             </a:r>
             <a:endParaRPr lang="en-US" dirty="0"/>
           </a:p>
@@ -5147,11 +5420,11 @@
           <a:p>
             <a:r>
               <a:rPr lang="en-US" dirty="0"/>
-              <a:t>The Effects of Paid Family Leave in California on Labor Market </a:t>
+              <a:t>The Effects of California’s Paid Family Leave Program on Mothers’ Leave-Taking and Subsequent Labor Market </a:t>
             </a:r>
             <a:r>
               <a:rPr lang="en-US" dirty="0" smtClean="0"/>
-              <a:t>Outcomes (2014)</a:t>
+              <a:t>Outcomes (2013)</a:t>
             </a:r>
           </a:p>
           <a:p>
@@ -5161,11 +5434,237 @@
             </a:pPr>
             <a:r>
               <a:rPr lang="en-US" dirty="0" smtClean="0"/>
+              <a:t>Data: March Current Population Study</a:t>
+            </a:r>
+          </a:p>
+          <a:p>
+            <a:pPr lvl="1">
+              <a:buFont typeface="Wingdings" panose="05000000000000000000" pitchFamily="2" charset="2"/>
+              <a:buChar char="§"/>
+            </a:pPr>
+            <a:r>
+              <a:rPr lang="en-US" dirty="0" smtClean="0"/>
+              <a:t>Annual data from years 1999 to 2010</a:t>
+            </a:r>
+          </a:p>
+          <a:p>
+            <a:pPr>
+              <a:buFont typeface="Wingdings" panose="05000000000000000000" pitchFamily="2" charset="2"/>
+              <a:buChar char="§"/>
+            </a:pPr>
+            <a:r>
+              <a:rPr lang="en-US" dirty="0" smtClean="0"/>
+              <a:t>Methodology: Difference-in-difference </a:t>
+            </a:r>
+            <a:r>
+              <a:rPr lang="en-US" dirty="0" smtClean="0"/>
+              <a:t>estimation</a:t>
+            </a:r>
+          </a:p>
+          <a:p>
+            <a:pPr lvl="1">
+              <a:buFont typeface="Wingdings" panose="05000000000000000000" pitchFamily="2" charset="2"/>
+              <a:buChar char="§"/>
+            </a:pPr>
+            <a:r>
+              <a:rPr lang="en-US" dirty="0" smtClean="0"/>
+              <a:t>Individual level data</a:t>
+            </a:r>
+            <a:endParaRPr lang="en-US" dirty="0" smtClean="0"/>
+          </a:p>
+          <a:p>
+            <a:pPr>
+              <a:buFont typeface="Wingdings" panose="05000000000000000000" pitchFamily="2" charset="2"/>
+              <a:buChar char="§"/>
+            </a:pPr>
+            <a:r>
+              <a:rPr lang="en-US" dirty="0" smtClean="0"/>
+              <a:t>Findings: </a:t>
+            </a:r>
+          </a:p>
+          <a:p>
+            <a:pPr lvl="1">
+              <a:buFont typeface="Wingdings" panose="05000000000000000000" pitchFamily="2" charset="2"/>
+              <a:buChar char="§"/>
+            </a:pPr>
+            <a:r>
+              <a:rPr lang="en-US" dirty="0" smtClean="0"/>
+              <a:t>Increase of maternity leave use from three weeks to six weeks</a:t>
+            </a:r>
+          </a:p>
+          <a:p>
+            <a:pPr lvl="1">
+              <a:buFont typeface="Wingdings" panose="05000000000000000000" pitchFamily="2" charset="2"/>
+              <a:buChar char="§"/>
+            </a:pPr>
+            <a:r>
+              <a:rPr lang="en-US" dirty="0" smtClean="0"/>
+              <a:t>10 to 17 percent increase in usual weekly work hours of employed women 1 to 3 years after childbirth</a:t>
+            </a:r>
+          </a:p>
+        </p:txBody>
+      </p:sp>
+    </p:spTree>
+    <p:extLst>
+      <p:ext uri="{BB962C8B-B14F-4D97-AF65-F5344CB8AC3E}">
+        <p14:creationId xmlns:p14="http://schemas.microsoft.com/office/powerpoint/2010/main" val="510316815"/>
+      </p:ext>
+    </p:extLst>
+  </p:cSld>
+  <p:clrMapOvr>
+    <a:masterClrMapping/>
+  </p:clrMapOvr>
+  <p:timing>
+    <p:tnLst>
+      <p:par>
+        <p:cTn id="1" dur="indefinite" restart="never" nodeType="tmRoot"/>
+      </p:par>
+    </p:tnLst>
+  </p:timing>
+</p:sld>
+</file>
+
+<file path=ppt/slides/slide7.xml><?xml version="1.0" encoding="utf-8"?>
+<p:sld xmlns:a="http://schemas.openxmlformats.org/drawingml/2006/main" xmlns:r="http://schemas.openxmlformats.org/officeDocument/2006/relationships" xmlns:p="http://schemas.openxmlformats.org/presentationml/2006/main">
+  <p:cSld>
+    <p:spTree>
+      <p:nvGrpSpPr>
+        <p:cNvPr id="1" name=""/>
+        <p:cNvGrpSpPr/>
+        <p:nvPr/>
+      </p:nvGrpSpPr>
+      <p:grpSpPr>
+        <a:xfrm>
+          <a:off x="0" y="0"/>
+          <a:ext cx="0" cy="0"/>
+          <a:chOff x="0" y="0"/>
+          <a:chExt cx="0" cy="0"/>
+        </a:xfrm>
+      </p:grpSpPr>
+      <p:sp>
+        <p:nvSpPr>
+          <p:cNvPr id="2" name="Title 1"/>
+          <p:cNvSpPr>
+            <a:spLocks noGrp="1"/>
+          </p:cNvSpPr>
+          <p:nvPr>
+            <p:ph type="title"/>
+          </p:nvPr>
+        </p:nvSpPr>
+        <p:spPr/>
+        <p:txBody>
+          <a:bodyPr/>
+          <a:lstStyle/>
+          <a:p>
+            <a:r>
+              <a:rPr lang="en-US" dirty="0" smtClean="0"/>
+              <a:t>Charles Baum and Christopher Ruhm</a:t>
+            </a:r>
+            <a:endParaRPr lang="en-US" dirty="0"/>
+          </a:p>
+        </p:txBody>
+      </p:sp>
+      <p:sp>
+        <p:nvSpPr>
+          <p:cNvPr id="3" name="Content Placeholder 2"/>
+          <p:cNvSpPr>
+            <a:spLocks noGrp="1"/>
+          </p:cNvSpPr>
+          <p:nvPr>
+            <p:ph idx="1"/>
+          </p:nvPr>
+        </p:nvSpPr>
+        <p:spPr/>
+        <p:txBody>
+          <a:bodyPr/>
+          <a:lstStyle/>
+          <a:p>
+            <a:r>
+              <a:rPr lang="en-US" dirty="0"/>
+              <a:t>The Effects of Paid Family Leave in California on Labor Market </a:t>
+            </a:r>
+            <a:r>
+              <a:rPr lang="en-US" dirty="0" smtClean="0"/>
+              <a:t>Outcomes (2014)</a:t>
+            </a:r>
+          </a:p>
+          <a:p>
+            <a:pPr>
+              <a:buFont typeface="Wingdings" panose="05000000000000000000" pitchFamily="2" charset="2"/>
+              <a:buChar char="§"/>
+            </a:pPr>
+            <a:r>
+              <a:rPr lang="en-US" dirty="0" smtClean="0"/>
               <a:t>Data: National Longitudinal Survey of Youth: 1997 Cohort</a:t>
             </a:r>
           </a:p>
           <a:p>
             <a:pPr>
+              <a:buFont typeface="Wingdings" panose="05000000000000000000" pitchFamily="2" charset="2"/>
+              <a:buChar char="§"/>
+            </a:pPr>
+            <a:r>
+              <a:rPr lang="en-US" dirty="0" smtClean="0"/>
+              <a:t>Methodology: Difference-in-difference </a:t>
+            </a:r>
+            <a:r>
+              <a:rPr lang="en-US" dirty="0" smtClean="0"/>
+              <a:t>estimation</a:t>
+            </a:r>
+            <a:endParaRPr lang="en-US" dirty="0" smtClean="0"/>
+          </a:p>
+          <a:p>
+            <a:pPr>
+              <a:buFont typeface="Wingdings" panose="05000000000000000000" pitchFamily="2" charset="2"/>
+              <a:buChar char="§"/>
+            </a:pPr>
+            <a:r>
+              <a:rPr lang="en-US" dirty="0" smtClean="0"/>
+              <a:t>Findings:</a:t>
+            </a:r>
+          </a:p>
+          <a:p>
+            <a:pPr lvl="1">
+              <a:buFont typeface="Wingdings" panose="05000000000000000000" pitchFamily="2" charset="2"/>
+              <a:buChar char="§"/>
+            </a:pPr>
+            <a:r>
+              <a:rPr lang="en-US" dirty="0" smtClean="0"/>
+              <a:t>Increased use of maternity leave by three weeks</a:t>
+            </a:r>
+          </a:p>
+          <a:p>
+            <a:pPr lvl="1">
+              <a:buFont typeface="Wingdings" panose="05000000000000000000" pitchFamily="2" charset="2"/>
+              <a:buChar char="§"/>
+            </a:pPr>
+            <a:r>
+              <a:rPr lang="en-US" dirty="0" smtClean="0"/>
+              <a:t>Increased use of paternity leave by one week</a:t>
+            </a:r>
+          </a:p>
+          <a:p>
+            <a:pPr lvl="1">
+              <a:buFont typeface="Wingdings" panose="05000000000000000000" pitchFamily="2" charset="2"/>
+              <a:buChar char="§"/>
+            </a:pPr>
+            <a:r>
+              <a:rPr lang="en-US" dirty="0" smtClean="0"/>
+              <a:t>Increased probability of mothers’ return to work one year after birth</a:t>
+            </a:r>
+          </a:p>
+          <a:p>
+            <a:pPr lvl="1">
+              <a:buFont typeface="Wingdings" panose="05000000000000000000" pitchFamily="2" charset="2"/>
+              <a:buChar char="§"/>
+            </a:pPr>
+            <a:r>
+              <a:rPr lang="en-US" dirty="0" smtClean="0"/>
+              <a:t>Increased hours and weeks of work of mothers between one and two years after birth</a:t>
+            </a:r>
+          </a:p>
+          <a:p>
+            <a:pPr lvl="1">
               <a:buFont typeface="Wingdings" panose="05000000000000000000" pitchFamily="2" charset="2"/>
               <a:buChar char="§"/>
             </a:pPr>
@@ -5190,6 +5689,176 @@
       </p:par>
     </p:tnLst>
   </p:timing>
+</p:sld>
+</file>
+
+<file path=ppt/slides/slide8.xml><?xml version="1.0" encoding="utf-8"?>
+<p:sld xmlns:a="http://schemas.openxmlformats.org/drawingml/2006/main" xmlns:r="http://schemas.openxmlformats.org/officeDocument/2006/relationships" xmlns:p="http://schemas.openxmlformats.org/presentationml/2006/main">
+  <p:cSld>
+    <p:spTree>
+      <p:nvGrpSpPr>
+        <p:cNvPr id="1" name=""/>
+        <p:cNvGrpSpPr/>
+        <p:nvPr/>
+      </p:nvGrpSpPr>
+      <p:grpSpPr>
+        <a:xfrm>
+          <a:off x="0" y="0"/>
+          <a:ext cx="0" cy="0"/>
+          <a:chOff x="0" y="0"/>
+          <a:chExt cx="0" cy="0"/>
+        </a:xfrm>
+      </p:grpSpPr>
+      <p:sp>
+        <p:nvSpPr>
+          <p:cNvPr id="2" name="Title 1"/>
+          <p:cNvSpPr>
+            <a:spLocks noGrp="1"/>
+          </p:cNvSpPr>
+          <p:nvPr>
+            <p:ph type="title"/>
+          </p:nvPr>
+        </p:nvSpPr>
+        <p:spPr/>
+        <p:txBody>
+          <a:bodyPr/>
+          <a:lstStyle/>
+          <a:p>
+            <a:r>
+              <a:rPr lang="en-US" dirty="0" smtClean="0"/>
+              <a:t>Tirthatanmoy Das and Solomon Polachek</a:t>
+            </a:r>
+            <a:endParaRPr lang="en-US" dirty="0"/>
+          </a:p>
+        </p:txBody>
+      </p:sp>
+      <p:sp>
+        <p:nvSpPr>
+          <p:cNvPr id="3" name="Content Placeholder 2"/>
+          <p:cNvSpPr>
+            <a:spLocks noGrp="1"/>
+          </p:cNvSpPr>
+          <p:nvPr>
+            <p:ph idx="1"/>
+          </p:nvPr>
+        </p:nvSpPr>
+        <p:spPr/>
+        <p:txBody>
+          <a:bodyPr/>
+          <a:lstStyle/>
+          <a:p>
+            <a:r>
+              <a:rPr lang="en-US" dirty="0"/>
+              <a:t>Unanticipated Effects of California’s Paid Family Leave </a:t>
+            </a:r>
+            <a:r>
+              <a:rPr lang="en-US" dirty="0" smtClean="0"/>
+              <a:t>Program (2015)</a:t>
+            </a:r>
+          </a:p>
+          <a:p>
+            <a:pPr>
+              <a:buFont typeface="Wingdings" panose="05000000000000000000" pitchFamily="2" charset="2"/>
+              <a:buChar char="§"/>
+            </a:pPr>
+            <a:r>
+              <a:rPr lang="en-US" dirty="0" smtClean="0"/>
+              <a:t>Data: March Current Population Study</a:t>
+            </a:r>
+          </a:p>
+          <a:p>
+            <a:pPr lvl="1">
+              <a:buFont typeface="Wingdings" panose="05000000000000000000" pitchFamily="2" charset="2"/>
+              <a:buChar char="§"/>
+            </a:pPr>
+            <a:r>
+              <a:rPr lang="en-US" dirty="0"/>
+              <a:t>Annual data from years 1999 to 2010</a:t>
+            </a:r>
+          </a:p>
+          <a:p>
+            <a:pPr>
+              <a:buFont typeface="Wingdings" panose="05000000000000000000" pitchFamily="2" charset="2"/>
+              <a:buChar char="§"/>
+            </a:pPr>
+            <a:r>
+              <a:rPr lang="en-US" dirty="0" smtClean="0"/>
+              <a:t>Methodology: Difference-in-difference estimation</a:t>
+            </a:r>
+          </a:p>
+          <a:p>
+            <a:pPr lvl="1">
+              <a:buFont typeface="Wingdings" panose="05000000000000000000" pitchFamily="2" charset="2"/>
+              <a:buChar char="§"/>
+            </a:pPr>
+            <a:r>
+              <a:rPr lang="en-US" dirty="0" smtClean="0"/>
+              <a:t>Sub-group segmentation by age and gender</a:t>
+            </a:r>
+          </a:p>
+          <a:p>
+            <a:pPr lvl="1">
+              <a:buFont typeface="Wingdings" panose="05000000000000000000" pitchFamily="2" charset="2"/>
+              <a:buChar char="§"/>
+            </a:pPr>
+            <a:r>
+              <a:rPr lang="en-US" dirty="0" smtClean="0"/>
+              <a:t>Aggregate level data</a:t>
+            </a:r>
+          </a:p>
+          <a:p>
+            <a:pPr>
+              <a:buFont typeface="Wingdings" panose="05000000000000000000" pitchFamily="2" charset="2"/>
+              <a:buChar char="§"/>
+            </a:pPr>
+            <a:r>
+              <a:rPr lang="en-US" dirty="0" smtClean="0"/>
+              <a:t>Findings:</a:t>
+            </a:r>
+          </a:p>
+          <a:p>
+            <a:pPr lvl="1">
+              <a:buFont typeface="Wingdings" panose="05000000000000000000" pitchFamily="2" charset="2"/>
+              <a:buChar char="§"/>
+            </a:pPr>
+            <a:r>
+              <a:rPr lang="en-US" dirty="0" smtClean="0"/>
+              <a:t>Increase of labor-force participation of young women by 1.5 percentage points</a:t>
+            </a:r>
+          </a:p>
+          <a:p>
+            <a:pPr lvl="1">
+              <a:buFont typeface="Wingdings" panose="05000000000000000000" pitchFamily="2" charset="2"/>
+              <a:buChar char="§"/>
+            </a:pPr>
+            <a:r>
+              <a:rPr lang="en-US" dirty="0" smtClean="0"/>
+              <a:t>Increase in unemployment of young women by between 0.3 and 1.5 percentage points</a:t>
+            </a:r>
+          </a:p>
+          <a:p>
+            <a:pPr lvl="1">
+              <a:buFont typeface="Wingdings" panose="05000000000000000000" pitchFamily="2" charset="2"/>
+              <a:buChar char="§"/>
+            </a:pPr>
+            <a:r>
+              <a:rPr lang="en-US" dirty="0" smtClean="0"/>
+              <a:t>Increase in duration of unemployment of young women by between 4 to 9 percent</a:t>
+            </a:r>
+            <a:endParaRPr lang="en-US" dirty="0"/>
+          </a:p>
+        </p:txBody>
+      </p:sp>
+    </p:spTree>
+    <p:extLst>
+      <p:ext uri="{BB962C8B-B14F-4D97-AF65-F5344CB8AC3E}">
+        <p14:creationId xmlns:p14="http://schemas.microsoft.com/office/powerpoint/2010/main" val="2357275048"/>
+      </p:ext>
+    </p:extLst>
+  </p:cSld>
+  <p:clrMapOvr>
+    <a:masterClrMapping/>
+  </p:clrMapOvr>
 </p:sld>
 </file>
 

--- a/Thesis.pptx
+++ b/Thesis.pptx
@@ -5,7 +5,7 @@
     <p:sldMasterId id="2147483648" r:id="rId1"/>
   </p:sldMasterIdLst>
   <p:notesMasterIdLst>
-    <p:notesMasterId r:id="rId10"/>
+    <p:notesMasterId r:id="rId14"/>
   </p:notesMasterIdLst>
   <p:sldIdLst>
     <p:sldId id="256" r:id="rId2"/>
@@ -16,6 +16,10 @@
     <p:sldId id="260" r:id="rId7"/>
     <p:sldId id="261" r:id="rId8"/>
     <p:sldId id="262" r:id="rId9"/>
+    <p:sldId id="264" r:id="rId10"/>
+    <p:sldId id="265" r:id="rId11"/>
+    <p:sldId id="266" r:id="rId12"/>
+    <p:sldId id="267" r:id="rId13"/>
   </p:sldIdLst>
   <p:sldSz cx="12192000" cy="6858000"/>
   <p:notesSz cx="6858000" cy="9144000"/>
@@ -559,6 +563,90 @@
 </p:notes>
 </file>
 
+<file path=ppt/notesSlides/notesSlide10.xml><?xml version="1.0" encoding="utf-8"?>
+<p:notes xmlns:a="http://schemas.openxmlformats.org/drawingml/2006/main" xmlns:r="http://schemas.openxmlformats.org/officeDocument/2006/relationships" xmlns:p="http://schemas.openxmlformats.org/presentationml/2006/main">
+  <p:cSld>
+    <p:spTree>
+      <p:nvGrpSpPr>
+        <p:cNvPr id="1" name=""/>
+        <p:cNvGrpSpPr/>
+        <p:nvPr/>
+      </p:nvGrpSpPr>
+      <p:grpSpPr>
+        <a:xfrm>
+          <a:off x="0" y="0"/>
+          <a:ext cx="0" cy="0"/>
+          <a:chOff x="0" y="0"/>
+          <a:chExt cx="0" cy="0"/>
+        </a:xfrm>
+      </p:grpSpPr>
+      <p:sp>
+        <p:nvSpPr>
+          <p:cNvPr id="2" name="Slide Image Placeholder 1"/>
+          <p:cNvSpPr>
+            <a:spLocks noGrp="1" noRot="1" noChangeAspect="1"/>
+          </p:cNvSpPr>
+          <p:nvPr>
+            <p:ph type="sldImg"/>
+          </p:nvPr>
+        </p:nvSpPr>
+        <p:spPr/>
+      </p:sp>
+      <p:sp>
+        <p:nvSpPr>
+          <p:cNvPr id="3" name="Notes Placeholder 2"/>
+          <p:cNvSpPr>
+            <a:spLocks noGrp="1"/>
+          </p:cNvSpPr>
+          <p:nvPr>
+            <p:ph type="body" idx="1"/>
+          </p:nvPr>
+        </p:nvSpPr>
+        <p:spPr/>
+        <p:txBody>
+          <a:bodyPr/>
+          <a:lstStyle/>
+          <a:p>
+            <a:endParaRPr lang="en-US" dirty="0"/>
+          </a:p>
+        </p:txBody>
+      </p:sp>
+      <p:sp>
+        <p:nvSpPr>
+          <p:cNvPr id="4" name="Slide Number Placeholder 3"/>
+          <p:cNvSpPr>
+            <a:spLocks noGrp="1"/>
+          </p:cNvSpPr>
+          <p:nvPr>
+            <p:ph type="sldNum" sz="quarter" idx="10"/>
+          </p:nvPr>
+        </p:nvSpPr>
+        <p:spPr/>
+        <p:txBody>
+          <a:bodyPr/>
+          <a:lstStyle/>
+          <a:p>
+            <a:fld id="{41A4063A-F033-4EA7-A7ED-7C0776899A7A}" type="slidenum">
+              <a:rPr lang="en-US" smtClean="0"/>
+              <a:t>12</a:t>
+            </a:fld>
+            <a:endParaRPr lang="en-US"/>
+          </a:p>
+        </p:txBody>
+      </p:sp>
+    </p:spTree>
+    <p:extLst>
+      <p:ext uri="{BB962C8B-B14F-4D97-AF65-F5344CB8AC3E}">
+        <p14:creationId xmlns:p14="http://schemas.microsoft.com/office/powerpoint/2010/main" val="1936533850"/>
+      </p:ext>
+    </p:extLst>
+  </p:cSld>
+  <p:clrMapOvr>
+    <a:masterClrMapping/>
+  </p:clrMapOvr>
+</p:notes>
+</file>
+
 <file path=ppt/notesSlides/notesSlide2.xml><?xml version="1.0" encoding="utf-8"?>
 <p:notes xmlns:a="http://schemas.openxmlformats.org/drawingml/2006/main" xmlns:r="http://schemas.openxmlformats.org/officeDocument/2006/relationships" xmlns:p="http://schemas.openxmlformats.org/presentationml/2006/main">
   <p:cSld>
@@ -687,7 +775,7 @@
           <a:bodyPr/>
           <a:lstStyle/>
           <a:p>
-            <a:endParaRPr lang="en-US"/>
+            <a:endParaRPr lang="en-US" dirty="0"/>
           </a:p>
         </p:txBody>
       </p:sp>
@@ -1071,6 +1159,288 @@
     <p:extLst>
       <p:ext uri="{BB962C8B-B14F-4D97-AF65-F5344CB8AC3E}">
         <p14:creationId xmlns:p14="http://schemas.microsoft.com/office/powerpoint/2010/main" val="4018270592"/>
+      </p:ext>
+    </p:extLst>
+  </p:cSld>
+  <p:clrMapOvr>
+    <a:masterClrMapping/>
+  </p:clrMapOvr>
+</p:notes>
+</file>
+
+<file path=ppt/notesSlides/notesSlide7.xml><?xml version="1.0" encoding="utf-8"?>
+<p:notes xmlns:a="http://schemas.openxmlformats.org/drawingml/2006/main" xmlns:r="http://schemas.openxmlformats.org/officeDocument/2006/relationships" xmlns:p="http://schemas.openxmlformats.org/presentationml/2006/main">
+  <p:cSld>
+    <p:spTree>
+      <p:nvGrpSpPr>
+        <p:cNvPr id="1" name=""/>
+        <p:cNvGrpSpPr/>
+        <p:nvPr/>
+      </p:nvGrpSpPr>
+      <p:grpSpPr>
+        <a:xfrm>
+          <a:off x="0" y="0"/>
+          <a:ext cx="0" cy="0"/>
+          <a:chOff x="0" y="0"/>
+          <a:chExt cx="0" cy="0"/>
+        </a:xfrm>
+      </p:grpSpPr>
+      <p:sp>
+        <p:nvSpPr>
+          <p:cNvPr id="2" name="Slide Image Placeholder 1"/>
+          <p:cNvSpPr>
+            <a:spLocks noGrp="1" noRot="1" noChangeAspect="1"/>
+          </p:cNvSpPr>
+          <p:nvPr>
+            <p:ph type="sldImg"/>
+          </p:nvPr>
+        </p:nvSpPr>
+        <p:spPr/>
+      </p:sp>
+      <p:sp>
+        <p:nvSpPr>
+          <p:cNvPr id="3" name="Notes Placeholder 2"/>
+          <p:cNvSpPr>
+            <a:spLocks noGrp="1"/>
+          </p:cNvSpPr>
+          <p:nvPr>
+            <p:ph type="body" idx="1"/>
+          </p:nvPr>
+        </p:nvSpPr>
+        <p:spPr/>
+        <p:txBody>
+          <a:bodyPr/>
+          <a:lstStyle/>
+          <a:p>
+            <a:r>
+              <a:rPr lang="en-US" dirty="0" smtClean="0"/>
+              <a:t>“The magnitude of the coefficients for new hires, separations, and recalls in Table 5 are roughly similar, approximately 0.03, 0.025, and 0.03, respectively.”</a:t>
+            </a:r>
+            <a:endParaRPr lang="en-US" dirty="0"/>
+          </a:p>
+        </p:txBody>
+      </p:sp>
+      <p:sp>
+        <p:nvSpPr>
+          <p:cNvPr id="4" name="Slide Number Placeholder 3"/>
+          <p:cNvSpPr>
+            <a:spLocks noGrp="1"/>
+          </p:cNvSpPr>
+          <p:nvPr>
+            <p:ph type="sldNum" sz="quarter" idx="10"/>
+          </p:nvPr>
+        </p:nvSpPr>
+        <p:spPr/>
+        <p:txBody>
+          <a:bodyPr/>
+          <a:lstStyle/>
+          <a:p>
+            <a:fld id="{41A4063A-F033-4EA7-A7ED-7C0776899A7A}" type="slidenum">
+              <a:rPr lang="en-US" smtClean="0"/>
+              <a:t>9</a:t>
+            </a:fld>
+            <a:endParaRPr lang="en-US"/>
+          </a:p>
+        </p:txBody>
+      </p:sp>
+    </p:spTree>
+    <p:extLst>
+      <p:ext uri="{BB962C8B-B14F-4D97-AF65-F5344CB8AC3E}">
+        <p14:creationId xmlns:p14="http://schemas.microsoft.com/office/powerpoint/2010/main" val="477416976"/>
+      </p:ext>
+    </p:extLst>
+  </p:cSld>
+  <p:clrMapOvr>
+    <a:masterClrMapping/>
+  </p:clrMapOvr>
+</p:notes>
+</file>
+
+<file path=ppt/notesSlides/notesSlide8.xml><?xml version="1.0" encoding="utf-8"?>
+<p:notes xmlns:a="http://schemas.openxmlformats.org/drawingml/2006/main" xmlns:r="http://schemas.openxmlformats.org/officeDocument/2006/relationships" xmlns:p="http://schemas.openxmlformats.org/presentationml/2006/main">
+  <p:cSld>
+    <p:spTree>
+      <p:nvGrpSpPr>
+        <p:cNvPr id="1" name=""/>
+        <p:cNvGrpSpPr/>
+        <p:nvPr/>
+      </p:nvGrpSpPr>
+      <p:grpSpPr>
+        <a:xfrm>
+          <a:off x="0" y="0"/>
+          <a:ext cx="0" cy="0"/>
+          <a:chOff x="0" y="0"/>
+          <a:chExt cx="0" cy="0"/>
+        </a:xfrm>
+      </p:grpSpPr>
+      <p:sp>
+        <p:nvSpPr>
+          <p:cNvPr id="2" name="Slide Image Placeholder 1"/>
+          <p:cNvSpPr>
+            <a:spLocks noGrp="1" noRot="1" noChangeAspect="1"/>
+          </p:cNvSpPr>
+          <p:nvPr>
+            <p:ph type="sldImg"/>
+          </p:nvPr>
+        </p:nvSpPr>
+        <p:spPr/>
+      </p:sp>
+      <p:sp>
+        <p:nvSpPr>
+          <p:cNvPr id="3" name="Notes Placeholder 2"/>
+          <p:cNvSpPr>
+            <a:spLocks noGrp="1"/>
+          </p:cNvSpPr>
+          <p:nvPr>
+            <p:ph type="body" idx="1"/>
+          </p:nvPr>
+        </p:nvSpPr>
+        <p:spPr/>
+        <p:txBody>
+          <a:bodyPr/>
+          <a:lstStyle/>
+          <a:p>
+            <a:r>
+              <a:rPr lang="en-US" dirty="0" smtClean="0"/>
+              <a:t>“Our preferred DDD specification compares employed fathers of infants in California to employed fathers of children aged 1 to 3, relative to corresponding fathers of the same age children in other states, before and after the introduction of CA-PFL. We perform an analogous analysis of mothers to enable comparisons of effects across parental gender within the same data set.”</a:t>
+            </a:r>
+          </a:p>
+          <a:p>
+            <a:endParaRPr lang="en-US" dirty="0" smtClean="0"/>
+          </a:p>
+          <a:p>
+            <a:r>
+              <a:rPr lang="en-US" dirty="0" smtClean="0"/>
+              <a:t>Mothers take 9 weeks of leave on average;</a:t>
+            </a:r>
+            <a:r>
+              <a:rPr lang="en-US" baseline="0" dirty="0" smtClean="0"/>
+              <a:t> CA-PFL is estimated to increase this by two days</a:t>
+            </a:r>
+            <a:endParaRPr lang="en-US" dirty="0"/>
+          </a:p>
+        </p:txBody>
+      </p:sp>
+      <p:sp>
+        <p:nvSpPr>
+          <p:cNvPr id="4" name="Slide Number Placeholder 3"/>
+          <p:cNvSpPr>
+            <a:spLocks noGrp="1"/>
+          </p:cNvSpPr>
+          <p:nvPr>
+            <p:ph type="sldNum" sz="quarter" idx="10"/>
+          </p:nvPr>
+        </p:nvSpPr>
+        <p:spPr/>
+        <p:txBody>
+          <a:bodyPr/>
+          <a:lstStyle/>
+          <a:p>
+            <a:fld id="{41A4063A-F033-4EA7-A7ED-7C0776899A7A}" type="slidenum">
+              <a:rPr lang="en-US" smtClean="0"/>
+              <a:t>10</a:t>
+            </a:fld>
+            <a:endParaRPr lang="en-US"/>
+          </a:p>
+        </p:txBody>
+      </p:sp>
+    </p:spTree>
+    <p:extLst>
+      <p:ext uri="{BB962C8B-B14F-4D97-AF65-F5344CB8AC3E}">
+        <p14:creationId xmlns:p14="http://schemas.microsoft.com/office/powerpoint/2010/main" val="3594755359"/>
+      </p:ext>
+    </p:extLst>
+  </p:cSld>
+  <p:clrMapOvr>
+    <a:masterClrMapping/>
+  </p:clrMapOvr>
+</p:notes>
+</file>
+
+<file path=ppt/notesSlides/notesSlide9.xml><?xml version="1.0" encoding="utf-8"?>
+<p:notes xmlns:a="http://schemas.openxmlformats.org/drawingml/2006/main" xmlns:r="http://schemas.openxmlformats.org/officeDocument/2006/relationships" xmlns:p="http://schemas.openxmlformats.org/presentationml/2006/main">
+  <p:cSld>
+    <p:spTree>
+      <p:nvGrpSpPr>
+        <p:cNvPr id="1" name=""/>
+        <p:cNvGrpSpPr/>
+        <p:nvPr/>
+      </p:nvGrpSpPr>
+      <p:grpSpPr>
+        <a:xfrm>
+          <a:off x="0" y="0"/>
+          <a:ext cx="0" cy="0"/>
+          <a:chOff x="0" y="0"/>
+          <a:chExt cx="0" cy="0"/>
+        </a:xfrm>
+      </p:grpSpPr>
+      <p:sp>
+        <p:nvSpPr>
+          <p:cNvPr id="2" name="Slide Image Placeholder 1"/>
+          <p:cNvSpPr>
+            <a:spLocks noGrp="1" noRot="1" noChangeAspect="1"/>
+          </p:cNvSpPr>
+          <p:nvPr>
+            <p:ph type="sldImg"/>
+          </p:nvPr>
+        </p:nvSpPr>
+        <p:spPr/>
+      </p:sp>
+      <p:sp>
+        <p:nvSpPr>
+          <p:cNvPr id="3" name="Notes Placeholder 2"/>
+          <p:cNvSpPr>
+            <a:spLocks noGrp="1"/>
+          </p:cNvSpPr>
+          <p:nvPr>
+            <p:ph type="body" idx="1"/>
+          </p:nvPr>
+        </p:nvSpPr>
+        <p:spPr/>
+        <p:txBody>
+          <a:bodyPr/>
+          <a:lstStyle/>
+          <a:p>
+            <a:r>
+              <a:rPr lang="en-US" dirty="0" smtClean="0"/>
+              <a:t>Policy Landscape:</a:t>
+            </a:r>
+          </a:p>
+          <a:p>
+            <a:endParaRPr lang="en-US" dirty="0" smtClean="0"/>
+          </a:p>
+          <a:p>
+            <a:endParaRPr lang="en-US" dirty="0"/>
+          </a:p>
+        </p:txBody>
+      </p:sp>
+      <p:sp>
+        <p:nvSpPr>
+          <p:cNvPr id="4" name="Slide Number Placeholder 3"/>
+          <p:cNvSpPr>
+            <a:spLocks noGrp="1"/>
+          </p:cNvSpPr>
+          <p:nvPr>
+            <p:ph type="sldNum" sz="quarter" idx="10"/>
+          </p:nvPr>
+        </p:nvSpPr>
+        <p:spPr/>
+        <p:txBody>
+          <a:bodyPr/>
+          <a:lstStyle/>
+          <a:p>
+            <a:fld id="{41A4063A-F033-4EA7-A7ED-7C0776899A7A}" type="slidenum">
+              <a:rPr lang="en-US" smtClean="0"/>
+              <a:t>11</a:t>
+            </a:fld>
+            <a:endParaRPr lang="en-US"/>
+          </a:p>
+        </p:txBody>
+      </p:sp>
+    </p:spTree>
+    <p:extLst>
+      <p:ext uri="{BB962C8B-B14F-4D97-AF65-F5344CB8AC3E}">
+        <p14:creationId xmlns:p14="http://schemas.microsoft.com/office/powerpoint/2010/main" val="2525925837"/>
       </p:ext>
     </p:extLst>
   </p:cSld>
@@ -4788,6 +5158,437 @@
 </p:sld>
 </file>
 
+<file path=ppt/slides/slide10.xml><?xml version="1.0" encoding="utf-8"?>
+<p:sld xmlns:a="http://schemas.openxmlformats.org/drawingml/2006/main" xmlns:r="http://schemas.openxmlformats.org/officeDocument/2006/relationships" xmlns:p="http://schemas.openxmlformats.org/presentationml/2006/main">
+  <p:cSld>
+    <p:spTree>
+      <p:nvGrpSpPr>
+        <p:cNvPr id="1" name=""/>
+        <p:cNvGrpSpPr/>
+        <p:nvPr/>
+      </p:nvGrpSpPr>
+      <p:grpSpPr>
+        <a:xfrm>
+          <a:off x="0" y="0"/>
+          <a:ext cx="0" cy="0"/>
+          <a:chOff x="0" y="0"/>
+          <a:chExt cx="0" cy="0"/>
+        </a:xfrm>
+      </p:grpSpPr>
+      <p:sp>
+        <p:nvSpPr>
+          <p:cNvPr id="2" name="Title 1"/>
+          <p:cNvSpPr>
+            <a:spLocks noGrp="1"/>
+          </p:cNvSpPr>
+          <p:nvPr>
+            <p:ph type="title"/>
+          </p:nvPr>
+        </p:nvSpPr>
+        <p:spPr/>
+        <p:txBody>
+          <a:bodyPr/>
+          <a:lstStyle/>
+          <a:p>
+            <a:r>
+              <a:rPr lang="en-US" dirty="0" smtClean="0"/>
+              <a:t>Bartel, Rossin-Slater, Ruhm, Stearns, Waldfogel </a:t>
+            </a:r>
+            <a:endParaRPr lang="en-US" dirty="0"/>
+          </a:p>
+        </p:txBody>
+      </p:sp>
+      <p:sp>
+        <p:nvSpPr>
+          <p:cNvPr id="3" name="Content Placeholder 2"/>
+          <p:cNvSpPr>
+            <a:spLocks noGrp="1"/>
+          </p:cNvSpPr>
+          <p:nvPr>
+            <p:ph idx="1"/>
+          </p:nvPr>
+        </p:nvSpPr>
+        <p:spPr/>
+        <p:txBody>
+          <a:bodyPr/>
+          <a:lstStyle/>
+          <a:p>
+            <a:r>
+              <a:rPr lang="en-US" dirty="0"/>
+              <a:t>Paid Family Leave, Fathers’ Leave-Taking, and Leave-Sharing in Dual-Earner </a:t>
+            </a:r>
+            <a:r>
+              <a:rPr lang="en-US" dirty="0" smtClean="0"/>
+              <a:t>Households (2018)</a:t>
+            </a:r>
+          </a:p>
+          <a:p>
+            <a:pPr>
+              <a:buFont typeface="Wingdings" panose="05000000000000000000" pitchFamily="2" charset="2"/>
+              <a:buChar char="§"/>
+            </a:pPr>
+            <a:r>
+              <a:rPr lang="en-US" dirty="0" smtClean="0"/>
+              <a:t>Data: American Community Survey and 2000 Census</a:t>
+            </a:r>
+          </a:p>
+          <a:p>
+            <a:pPr lvl="1">
+              <a:buFont typeface="Wingdings" panose="05000000000000000000" pitchFamily="2" charset="2"/>
+              <a:buChar char="§"/>
+            </a:pPr>
+            <a:r>
+              <a:rPr lang="en-US" dirty="0" smtClean="0"/>
+              <a:t>2000 to 2013 Waves of the ACS</a:t>
+            </a:r>
+          </a:p>
+          <a:p>
+            <a:pPr>
+              <a:buFont typeface="Wingdings" panose="05000000000000000000" pitchFamily="2" charset="2"/>
+              <a:buChar char="§"/>
+            </a:pPr>
+            <a:r>
+              <a:rPr lang="en-US" dirty="0" smtClean="0"/>
+              <a:t>Methodology: Difference-in-difference-in-difference</a:t>
+            </a:r>
+          </a:p>
+          <a:p>
+            <a:pPr lvl="1">
+              <a:buFont typeface="Wingdings" panose="05000000000000000000" pitchFamily="2" charset="2"/>
+              <a:buChar char="§"/>
+            </a:pPr>
+            <a:r>
+              <a:rPr lang="en-US" dirty="0" smtClean="0"/>
+              <a:t>Employed fathers of infants vs employed fathers of toddlers relative to difference in other states</a:t>
+            </a:r>
+          </a:p>
+          <a:p>
+            <a:pPr lvl="1">
+              <a:buFont typeface="Wingdings" panose="05000000000000000000" pitchFamily="2" charset="2"/>
+              <a:buChar char="§"/>
+            </a:pPr>
+            <a:r>
+              <a:rPr lang="en-US" dirty="0" smtClean="0"/>
+              <a:t>Employed mothers of infants vs employed mothers of toddlers relative to difference in other states</a:t>
+            </a:r>
+          </a:p>
+          <a:p>
+            <a:pPr>
+              <a:buFont typeface="Wingdings" panose="05000000000000000000" pitchFamily="2" charset="2"/>
+              <a:buChar char="§"/>
+            </a:pPr>
+            <a:r>
+              <a:rPr lang="en-US" dirty="0" smtClean="0"/>
+              <a:t>Findings:</a:t>
+            </a:r>
+          </a:p>
+          <a:p>
+            <a:pPr lvl="1">
+              <a:buFont typeface="Wingdings" panose="05000000000000000000" pitchFamily="2" charset="2"/>
+              <a:buChar char="§"/>
+            </a:pPr>
+            <a:r>
+              <a:rPr lang="en-US" dirty="0" smtClean="0"/>
+              <a:t>California Paid Family Leave Policy increased paternal leave-taking from 1 week to 1.5 weeks</a:t>
+            </a:r>
+          </a:p>
+          <a:p>
+            <a:pPr lvl="1">
+              <a:buFont typeface="Wingdings" panose="05000000000000000000" pitchFamily="2" charset="2"/>
+              <a:buChar char="§"/>
+            </a:pPr>
+            <a:r>
+              <a:rPr lang="en-US" dirty="0" smtClean="0"/>
+              <a:t>Increase of paternal leave taking is greater for first-time fathers than existing fathers</a:t>
+            </a:r>
+          </a:p>
+        </p:txBody>
+      </p:sp>
+    </p:spTree>
+    <p:extLst>
+      <p:ext uri="{BB962C8B-B14F-4D97-AF65-F5344CB8AC3E}">
+        <p14:creationId xmlns:p14="http://schemas.microsoft.com/office/powerpoint/2010/main" val="1196796414"/>
+      </p:ext>
+    </p:extLst>
+  </p:cSld>
+  <p:clrMapOvr>
+    <a:masterClrMapping/>
+  </p:clrMapOvr>
+</p:sld>
+</file>
+
+<file path=ppt/slides/slide11.xml><?xml version="1.0" encoding="utf-8"?>
+<p:sld xmlns:a="http://schemas.openxmlformats.org/drawingml/2006/main" xmlns:r="http://schemas.openxmlformats.org/officeDocument/2006/relationships" xmlns:p="http://schemas.openxmlformats.org/presentationml/2006/main">
+  <p:cSld>
+    <p:spTree>
+      <p:nvGrpSpPr>
+        <p:cNvPr id="1" name=""/>
+        <p:cNvGrpSpPr/>
+        <p:nvPr/>
+      </p:nvGrpSpPr>
+      <p:grpSpPr>
+        <a:xfrm>
+          <a:off x="0" y="0"/>
+          <a:ext cx="0" cy="0"/>
+          <a:chOff x="0" y="0"/>
+          <a:chExt cx="0" cy="0"/>
+        </a:xfrm>
+      </p:grpSpPr>
+      <p:sp>
+        <p:nvSpPr>
+          <p:cNvPr id="2" name="Title 1"/>
+          <p:cNvSpPr>
+            <a:spLocks noGrp="1"/>
+          </p:cNvSpPr>
+          <p:nvPr>
+            <p:ph type="title"/>
+          </p:nvPr>
+        </p:nvSpPr>
+        <p:spPr/>
+        <p:txBody>
+          <a:bodyPr/>
+          <a:lstStyle/>
+          <a:p>
+            <a:r>
+              <a:rPr lang="en-US" dirty="0" smtClean="0"/>
+              <a:t>California Paid Family Leave Policy</a:t>
+            </a:r>
+            <a:endParaRPr lang="en-US" dirty="0"/>
+          </a:p>
+        </p:txBody>
+      </p:sp>
+      <p:sp>
+        <p:nvSpPr>
+          <p:cNvPr id="3" name="Content Placeholder 2"/>
+          <p:cNvSpPr>
+            <a:spLocks noGrp="1"/>
+          </p:cNvSpPr>
+          <p:nvPr>
+            <p:ph idx="1"/>
+          </p:nvPr>
+        </p:nvSpPr>
+        <p:spPr/>
+        <p:txBody>
+          <a:bodyPr/>
+          <a:lstStyle/>
+          <a:p>
+            <a:pPr>
+              <a:buFont typeface="Wingdings" panose="05000000000000000000" pitchFamily="2" charset="2"/>
+              <a:buChar char="§"/>
+            </a:pPr>
+            <a:r>
+              <a:rPr lang="en-US" dirty="0" smtClean="0"/>
+              <a:t>Came into effect July 2004</a:t>
+            </a:r>
+          </a:p>
+          <a:p>
+            <a:pPr>
+              <a:buFont typeface="Wingdings" panose="05000000000000000000" pitchFamily="2" charset="2"/>
+              <a:buChar char="§"/>
+            </a:pPr>
+            <a:r>
+              <a:rPr lang="en-US" dirty="0" smtClean="0"/>
+              <a:t>Both mothers and fathers entitled to 6 weeks of paid leave</a:t>
+            </a:r>
+          </a:p>
+          <a:p>
+            <a:pPr>
+              <a:buFont typeface="Wingdings" panose="05000000000000000000" pitchFamily="2" charset="2"/>
+              <a:buChar char="§"/>
+            </a:pPr>
+            <a:r>
+              <a:rPr lang="en-US" dirty="0" smtClean="0"/>
+              <a:t>Benefit provides 55% of average weekly pay capped at $1,163 a week in 2014</a:t>
+            </a:r>
+          </a:p>
+          <a:p>
+            <a:pPr>
+              <a:buFont typeface="Wingdings" panose="05000000000000000000" pitchFamily="2" charset="2"/>
+              <a:buChar char="§"/>
+            </a:pPr>
+            <a:r>
+              <a:rPr lang="en-US" dirty="0" smtClean="0"/>
+              <a:t>Leave must be taken within 12 months following birth of child</a:t>
+            </a:r>
+          </a:p>
+          <a:p>
+            <a:pPr>
+              <a:buFont typeface="Wingdings" panose="05000000000000000000" pitchFamily="2" charset="2"/>
+              <a:buChar char="§"/>
+            </a:pPr>
+            <a:r>
+              <a:rPr lang="en-US" dirty="0" smtClean="0"/>
+              <a:t>Leave may be taken concurrently or intermittently</a:t>
+            </a:r>
+          </a:p>
+          <a:p>
+            <a:pPr>
+              <a:buFont typeface="Wingdings" panose="05000000000000000000" pitchFamily="2" charset="2"/>
+              <a:buChar char="§"/>
+            </a:pPr>
+            <a:r>
+              <a:rPr lang="en-US" dirty="0" smtClean="0"/>
+              <a:t>Policy is funded by a payroll tax on all state workers</a:t>
+            </a:r>
+          </a:p>
+          <a:p>
+            <a:pPr>
+              <a:buFont typeface="Wingdings" panose="05000000000000000000" pitchFamily="2" charset="2"/>
+              <a:buChar char="§"/>
+            </a:pPr>
+            <a:endParaRPr lang="en-US" dirty="0"/>
+          </a:p>
+        </p:txBody>
+      </p:sp>
+    </p:spTree>
+    <p:extLst>
+      <p:ext uri="{BB962C8B-B14F-4D97-AF65-F5344CB8AC3E}">
+        <p14:creationId xmlns:p14="http://schemas.microsoft.com/office/powerpoint/2010/main" val="3058698416"/>
+      </p:ext>
+    </p:extLst>
+  </p:cSld>
+  <p:clrMapOvr>
+    <a:masterClrMapping/>
+  </p:clrMapOvr>
+</p:sld>
+</file>
+
+<file path=ppt/slides/slide12.xml><?xml version="1.0" encoding="utf-8"?>
+<p:sld xmlns:a="http://schemas.openxmlformats.org/drawingml/2006/main" xmlns:r="http://schemas.openxmlformats.org/officeDocument/2006/relationships" xmlns:p="http://schemas.openxmlformats.org/presentationml/2006/main">
+  <p:cSld>
+    <p:spTree>
+      <p:nvGrpSpPr>
+        <p:cNvPr id="1" name=""/>
+        <p:cNvGrpSpPr/>
+        <p:nvPr/>
+      </p:nvGrpSpPr>
+      <p:grpSpPr>
+        <a:xfrm>
+          <a:off x="0" y="0"/>
+          <a:ext cx="0" cy="0"/>
+          <a:chOff x="0" y="0"/>
+          <a:chExt cx="0" cy="0"/>
+        </a:xfrm>
+      </p:grpSpPr>
+      <p:sp>
+        <p:nvSpPr>
+          <p:cNvPr id="2" name="Title 1"/>
+          <p:cNvSpPr>
+            <a:spLocks noGrp="1"/>
+          </p:cNvSpPr>
+          <p:nvPr>
+            <p:ph type="title"/>
+          </p:nvPr>
+        </p:nvSpPr>
+        <p:spPr/>
+        <p:txBody>
+          <a:bodyPr/>
+          <a:lstStyle/>
+          <a:p>
+            <a:r>
+              <a:rPr lang="en-US" dirty="0" smtClean="0"/>
+              <a:t>New Jersey Paid Family Leave Policy</a:t>
+            </a:r>
+            <a:endParaRPr lang="en-US" dirty="0"/>
+          </a:p>
+        </p:txBody>
+      </p:sp>
+      <p:sp>
+        <p:nvSpPr>
+          <p:cNvPr id="3" name="Content Placeholder 2"/>
+          <p:cNvSpPr>
+            <a:spLocks noGrp="1"/>
+          </p:cNvSpPr>
+          <p:nvPr>
+            <p:ph idx="1"/>
+          </p:nvPr>
+        </p:nvSpPr>
+        <p:spPr/>
+        <p:txBody>
+          <a:bodyPr/>
+          <a:lstStyle/>
+          <a:p>
+            <a:pPr>
+              <a:buFont typeface="Wingdings" panose="05000000000000000000" pitchFamily="2" charset="2"/>
+              <a:buChar char="§"/>
+            </a:pPr>
+            <a:r>
+              <a:rPr lang="en-US" dirty="0" smtClean="0"/>
+              <a:t>Came into effect July 2009</a:t>
+            </a:r>
+          </a:p>
+          <a:p>
+            <a:pPr>
+              <a:buFont typeface="Wingdings" panose="05000000000000000000" pitchFamily="2" charset="2"/>
+              <a:buChar char="§"/>
+            </a:pPr>
+            <a:r>
+              <a:rPr lang="en-US" dirty="0" smtClean="0"/>
+              <a:t>Both mothers and fathers entitle to 6 weeks of paid leave</a:t>
+            </a:r>
+          </a:p>
+          <a:p>
+            <a:pPr>
+              <a:buFont typeface="Wingdings" panose="05000000000000000000" pitchFamily="2" charset="2"/>
+              <a:buChar char="§"/>
+            </a:pPr>
+            <a:r>
+              <a:rPr lang="en-US" dirty="0" smtClean="0"/>
+              <a:t>Benefit provides 2/3 of average weekly pay capped at $643 a week in 2014</a:t>
+            </a:r>
+          </a:p>
+          <a:p>
+            <a:pPr>
+              <a:buFont typeface="Wingdings" panose="05000000000000000000" pitchFamily="2" charset="2"/>
+              <a:buChar char="§"/>
+            </a:pPr>
+            <a:r>
+              <a:rPr lang="en-US" dirty="0"/>
+              <a:t>Leave must be taken within 12 months following birth of child</a:t>
+            </a:r>
+          </a:p>
+          <a:p>
+            <a:pPr>
+              <a:buFont typeface="Wingdings" panose="05000000000000000000" pitchFamily="2" charset="2"/>
+              <a:buChar char="§"/>
+            </a:pPr>
+            <a:r>
+              <a:rPr lang="en-US" dirty="0"/>
+              <a:t>Leave may be taken concurrently or intermittently</a:t>
+            </a:r>
+          </a:p>
+          <a:p>
+            <a:pPr>
+              <a:buFont typeface="Wingdings" panose="05000000000000000000" pitchFamily="2" charset="2"/>
+              <a:buChar char="§"/>
+            </a:pPr>
+            <a:r>
+              <a:rPr lang="en-US" dirty="0"/>
+              <a:t>Policy is funded by a payroll tax on all state workers</a:t>
+            </a:r>
+          </a:p>
+          <a:p>
+            <a:pPr>
+              <a:buFont typeface="Wingdings" panose="05000000000000000000" pitchFamily="2" charset="2"/>
+              <a:buChar char="§"/>
+            </a:pPr>
+            <a:endParaRPr lang="en-US" dirty="0"/>
+          </a:p>
+        </p:txBody>
+      </p:sp>
+    </p:spTree>
+    <p:extLst>
+      <p:ext uri="{BB962C8B-B14F-4D97-AF65-F5344CB8AC3E}">
+        <p14:creationId xmlns:p14="http://schemas.microsoft.com/office/powerpoint/2010/main" val="1404453222"/>
+      </p:ext>
+    </p:extLst>
+  </p:cSld>
+  <p:clrMapOvr>
+    <a:masterClrMapping/>
+  </p:clrMapOvr>
+</p:sld>
+</file>
+
 <file path=ppt/slides/slide2.xml><?xml version="1.0" encoding="utf-8"?>
 <p:sld xmlns:a="http://schemas.openxmlformats.org/drawingml/2006/main" xmlns:r="http://schemas.openxmlformats.org/officeDocument/2006/relationships" xmlns:p="http://schemas.openxmlformats.org/presentationml/2006/main">
   <p:cSld>
@@ -5145,8 +5946,55 @@
             </a:r>
             <a:r>
               <a:rPr lang="en-US" dirty="0" smtClean="0"/>
-              <a:t>(Das and Polachek 2015)</a:t>
-            </a:r>
+              <a:t>(Das and Polachek 2015</a:t>
+            </a:r>
+            <a:r>
+              <a:rPr lang="en-US" dirty="0" smtClean="0"/>
+              <a:t>)</a:t>
+            </a:r>
+          </a:p>
+          <a:p>
+            <a:pPr>
+              <a:buFont typeface="Wingdings" panose="05000000000000000000" pitchFamily="2" charset="2"/>
+              <a:buChar char="§"/>
+            </a:pPr>
+            <a:r>
+              <a:rPr lang="en-US" dirty="0"/>
+              <a:t>Evaluating Workplace Mandates with Flows Versus Stocks: An Application to California Paid Family Leave </a:t>
+            </a:r>
+            <a:r>
+              <a:rPr lang="en-US" dirty="0" smtClean="0"/>
+              <a:t>(</a:t>
+            </a:r>
+            <a:r>
+              <a:rPr lang="en-US" dirty="0"/>
+              <a:t>Curtis, Hirsch, and </a:t>
+            </a:r>
+            <a:r>
+              <a:rPr lang="en-US" dirty="0" smtClean="0"/>
+              <a:t>Schroeder 2016)</a:t>
+            </a:r>
+          </a:p>
+          <a:p>
+            <a:pPr>
+              <a:buFont typeface="Wingdings" panose="05000000000000000000" pitchFamily="2" charset="2"/>
+              <a:buChar char="§"/>
+            </a:pPr>
+            <a:r>
+              <a:rPr lang="en-US" dirty="0"/>
+              <a:t>Paid Family Leave, Fathers’ Leave-Taking, and Leave-Sharing in Dual-Earner Households </a:t>
+            </a:r>
+            <a:r>
+              <a:rPr lang="en-US" dirty="0" smtClean="0"/>
+              <a:t>(Bartel et al. 2018)</a:t>
+            </a:r>
+          </a:p>
+          <a:p>
+            <a:pPr>
+              <a:buFont typeface="Wingdings" panose="05000000000000000000" pitchFamily="2" charset="2"/>
+              <a:buChar char="§"/>
+            </a:pPr>
+            <a:endParaRPr lang="en-US" dirty="0" smtClean="0"/>
           </a:p>
           <a:p>
             <a:pPr>
@@ -5454,11 +6302,7 @@
             </a:pPr>
             <a:r>
               <a:rPr lang="en-US" dirty="0" smtClean="0"/>
-              <a:t>Methodology: Difference-in-difference </a:t>
-            </a:r>
-            <a:r>
-              <a:rPr lang="en-US" dirty="0" smtClean="0"/>
-              <a:t>estimation</a:t>
+              <a:t>Methodology: Difference-in-difference estimation</a:t>
             </a:r>
           </a:p>
           <a:p>
@@ -5470,7 +6314,6 @@
               <a:rPr lang="en-US" dirty="0" smtClean="0"/>
               <a:t>Individual level data</a:t>
             </a:r>
-            <a:endParaRPr lang="en-US" dirty="0" smtClean="0"/>
           </a:p>
           <a:p>
             <a:pPr>
@@ -5605,13 +6448,8 @@
             </a:pPr>
             <a:r>
               <a:rPr lang="en-US" dirty="0" smtClean="0"/>
-              <a:t>Methodology: Difference-in-difference </a:t>
-            </a:r>
-            <a:r>
-              <a:rPr lang="en-US" dirty="0" smtClean="0"/>
-              <a:t>estimation</a:t>
-            </a:r>
-            <a:endParaRPr lang="en-US" dirty="0" smtClean="0"/>
+              <a:t>Methodology: Difference-in-difference estimation</a:t>
+            </a:r>
           </a:p>
           <a:p>
             <a:pPr>
@@ -5853,6 +6691,146 @@
     <p:extLst>
       <p:ext uri="{BB962C8B-B14F-4D97-AF65-F5344CB8AC3E}">
         <p14:creationId xmlns:p14="http://schemas.microsoft.com/office/powerpoint/2010/main" val="2357275048"/>
+      </p:ext>
+    </p:extLst>
+  </p:cSld>
+  <p:clrMapOvr>
+    <a:masterClrMapping/>
+  </p:clrMapOvr>
+</p:sld>
+</file>
+
+<file path=ppt/slides/slide9.xml><?xml version="1.0" encoding="utf-8"?>
+<p:sld xmlns:a="http://schemas.openxmlformats.org/drawingml/2006/main" xmlns:r="http://schemas.openxmlformats.org/officeDocument/2006/relationships" xmlns:p="http://schemas.openxmlformats.org/presentationml/2006/main">
+  <p:cSld>
+    <p:spTree>
+      <p:nvGrpSpPr>
+        <p:cNvPr id="1" name=""/>
+        <p:cNvGrpSpPr/>
+        <p:nvPr/>
+      </p:nvGrpSpPr>
+      <p:grpSpPr>
+        <a:xfrm>
+          <a:off x="0" y="0"/>
+          <a:ext cx="0" cy="0"/>
+          <a:chOff x="0" y="0"/>
+          <a:chExt cx="0" cy="0"/>
+        </a:xfrm>
+      </p:grpSpPr>
+      <p:sp>
+        <p:nvSpPr>
+          <p:cNvPr id="2" name="Title 1"/>
+          <p:cNvSpPr>
+            <a:spLocks noGrp="1"/>
+          </p:cNvSpPr>
+          <p:nvPr>
+            <p:ph type="title"/>
+          </p:nvPr>
+        </p:nvSpPr>
+        <p:spPr/>
+        <p:txBody>
+          <a:bodyPr/>
+          <a:lstStyle/>
+          <a:p>
+            <a:r>
+              <a:rPr lang="en-US" dirty="0" smtClean="0"/>
+              <a:t>Curtis, Hirsch, and Schroeder</a:t>
+            </a:r>
+            <a:endParaRPr lang="en-US" dirty="0"/>
+          </a:p>
+        </p:txBody>
+      </p:sp>
+      <p:sp>
+        <p:nvSpPr>
+          <p:cNvPr id="3" name="Content Placeholder 2"/>
+          <p:cNvSpPr>
+            <a:spLocks noGrp="1"/>
+          </p:cNvSpPr>
+          <p:nvPr>
+            <p:ph idx="1"/>
+          </p:nvPr>
+        </p:nvSpPr>
+        <p:spPr/>
+        <p:txBody>
+          <a:bodyPr/>
+          <a:lstStyle/>
+          <a:p>
+            <a:r>
+              <a:rPr lang="en-US" dirty="0"/>
+              <a:t>Evaluating Workplace Mandates with Flows Versus Stocks: An Application to California Paid Family </a:t>
+            </a:r>
+            <a:r>
+              <a:rPr lang="en-US" dirty="0" smtClean="0"/>
+              <a:t>Leave (2016)</a:t>
+            </a:r>
+          </a:p>
+          <a:p>
+            <a:pPr>
+              <a:buFont typeface="Wingdings" panose="05000000000000000000" pitchFamily="2" charset="2"/>
+              <a:buChar char="§"/>
+            </a:pPr>
+            <a:r>
+              <a:rPr lang="en-US" dirty="0" smtClean="0"/>
+              <a:t>Data: Quarterly Workforce Indicators</a:t>
+            </a:r>
+          </a:p>
+          <a:p>
+            <a:pPr>
+              <a:buFont typeface="Wingdings" panose="05000000000000000000" pitchFamily="2" charset="2"/>
+              <a:buChar char="§"/>
+            </a:pPr>
+            <a:r>
+              <a:rPr lang="en-US" dirty="0" smtClean="0"/>
+              <a:t>Methodology: Difference-in-difference estimation</a:t>
+            </a:r>
+          </a:p>
+          <a:p>
+            <a:pPr lvl="1">
+              <a:buFont typeface="Wingdings" panose="05000000000000000000" pitchFamily="2" charset="2"/>
+              <a:buChar char="§"/>
+            </a:pPr>
+            <a:r>
+              <a:rPr lang="en-US" dirty="0" smtClean="0"/>
+              <a:t>Triple difference: Analysis of effect on new hires of young women relative to other demographic groups, relative to differences in other states</a:t>
+            </a:r>
+          </a:p>
+          <a:p>
+            <a:pPr>
+              <a:buFont typeface="Wingdings" panose="05000000000000000000" pitchFamily="2" charset="2"/>
+              <a:buChar char="§"/>
+            </a:pPr>
+            <a:r>
+              <a:rPr lang="en-US" dirty="0" smtClean="0"/>
+              <a:t>Findings:</a:t>
+            </a:r>
+          </a:p>
+          <a:p>
+            <a:pPr lvl="1">
+              <a:buFont typeface="Wingdings" panose="05000000000000000000" pitchFamily="2" charset="2"/>
+              <a:buChar char="§"/>
+            </a:pPr>
+            <a:r>
+              <a:rPr lang="en-US" dirty="0" smtClean="0"/>
+              <a:t>Increase in new hires, separations, and recalls of young women</a:t>
+            </a:r>
+          </a:p>
+          <a:p>
+            <a:pPr lvl="1">
+              <a:buFont typeface="Wingdings" panose="05000000000000000000" pitchFamily="2" charset="2"/>
+              <a:buChar char="§"/>
+            </a:pPr>
+            <a:r>
+              <a:rPr lang="en-US" dirty="0" smtClean="0"/>
+              <a:t>No significant change in wages of young women</a:t>
+            </a:r>
+            <a:endParaRPr lang="en-US" dirty="0"/>
+          </a:p>
+        </p:txBody>
+      </p:sp>
+    </p:spTree>
+    <p:extLst>
+      <p:ext uri="{BB962C8B-B14F-4D97-AF65-F5344CB8AC3E}">
+        <p14:creationId xmlns:p14="http://schemas.microsoft.com/office/powerpoint/2010/main" val="3144691864"/>
       </p:ext>
     </p:extLst>
   </p:cSld>

--- a/Thesis.pptx
+++ b/Thesis.pptx
@@ -5,7 +5,7 @@
     <p:sldMasterId id="2147483648" r:id="rId1"/>
   </p:sldMasterIdLst>
   <p:notesMasterIdLst>
-    <p:notesMasterId r:id="rId14"/>
+    <p:notesMasterId r:id="rId16"/>
   </p:notesMasterIdLst>
   <p:sldIdLst>
     <p:sldId id="256" r:id="rId2"/>
@@ -20,6 +20,8 @@
     <p:sldId id="265" r:id="rId11"/>
     <p:sldId id="266" r:id="rId12"/>
     <p:sldId id="267" r:id="rId13"/>
+    <p:sldId id="268" r:id="rId14"/>
+    <p:sldId id="269" r:id="rId15"/>
   </p:sldIdLst>
   <p:sldSz cx="12192000" cy="6858000"/>
   <p:notesSz cx="6858000" cy="9144000"/>
@@ -638,6 +640,495 @@
     <p:extLst>
       <p:ext uri="{BB962C8B-B14F-4D97-AF65-F5344CB8AC3E}">
         <p14:creationId xmlns:p14="http://schemas.microsoft.com/office/powerpoint/2010/main" val="1936533850"/>
+      </p:ext>
+    </p:extLst>
+  </p:cSld>
+  <p:clrMapOvr>
+    <a:masterClrMapping/>
+  </p:clrMapOvr>
+</p:notes>
+</file>
+
+<file path=ppt/notesSlides/notesSlide11.xml><?xml version="1.0" encoding="utf-8"?>
+<p:notes xmlns:a="http://schemas.openxmlformats.org/drawingml/2006/main" xmlns:r="http://schemas.openxmlformats.org/officeDocument/2006/relationships" xmlns:p="http://schemas.openxmlformats.org/presentationml/2006/main">
+  <p:cSld>
+    <p:spTree>
+      <p:nvGrpSpPr>
+        <p:cNvPr id="1" name=""/>
+        <p:cNvGrpSpPr/>
+        <p:nvPr/>
+      </p:nvGrpSpPr>
+      <p:grpSpPr>
+        <a:xfrm>
+          <a:off x="0" y="0"/>
+          <a:ext cx="0" cy="0"/>
+          <a:chOff x="0" y="0"/>
+          <a:chExt cx="0" cy="0"/>
+        </a:xfrm>
+      </p:grpSpPr>
+      <p:sp>
+        <p:nvSpPr>
+          <p:cNvPr id="2" name="Slide Image Placeholder 1"/>
+          <p:cNvSpPr>
+            <a:spLocks noGrp="1" noRot="1" noChangeAspect="1"/>
+          </p:cNvSpPr>
+          <p:nvPr>
+            <p:ph type="sldImg"/>
+          </p:nvPr>
+        </p:nvSpPr>
+        <p:spPr/>
+      </p:sp>
+      <p:sp>
+        <p:nvSpPr>
+          <p:cNvPr id="3" name="Notes Placeholder 2"/>
+          <p:cNvSpPr>
+            <a:spLocks noGrp="1"/>
+          </p:cNvSpPr>
+          <p:nvPr>
+            <p:ph type="body" idx="1"/>
+          </p:nvPr>
+        </p:nvSpPr>
+        <p:spPr/>
+        <p:txBody>
+          <a:bodyPr/>
+          <a:lstStyle/>
+          <a:p>
+            <a:endParaRPr lang="en-US" sz="1200" kern="1200" dirty="0" smtClean="0">
+              <a:solidFill>
+                <a:schemeClr val="tx1"/>
+              </a:solidFill>
+              <a:effectLst/>
+              <a:latin typeface="+mn-lt"/>
+              <a:ea typeface="+mn-ea"/>
+              <a:cs typeface="+mn-cs"/>
+            </a:endParaRPr>
+          </a:p>
+          <a:p>
+            <a:endParaRPr lang="en-US" sz="1200" kern="1200" dirty="0" smtClean="0">
+              <a:solidFill>
+                <a:schemeClr val="tx1"/>
+              </a:solidFill>
+              <a:effectLst/>
+              <a:latin typeface="+mn-lt"/>
+              <a:ea typeface="+mn-ea"/>
+              <a:cs typeface="+mn-cs"/>
+            </a:endParaRPr>
+          </a:p>
+          <a:p>
+            <a:r>
+              <a:rPr lang="en-US" sz="1200" kern="1200" dirty="0" smtClean="0">
+                <a:solidFill>
+                  <a:schemeClr val="tx1"/>
+                </a:solidFill>
+                <a:effectLst/>
+                <a:latin typeface="+mn-lt"/>
+                <a:ea typeface="+mn-ea"/>
+                <a:cs typeface="+mn-cs"/>
+              </a:rPr>
+              <a:t>According to the simple model, the payroll tax creates a wedge between labor supply and demand, reducing both wages and employment of workers, and creating deadweight loss. In</a:t>
+            </a:r>
+            <a:r>
+              <a:rPr lang="en-US" sz="1200" kern="1200" baseline="0" dirty="0" smtClean="0">
+                <a:solidFill>
+                  <a:schemeClr val="tx1"/>
+                </a:solidFill>
+                <a:effectLst/>
+                <a:latin typeface="+mn-lt"/>
+                <a:ea typeface="+mn-ea"/>
+                <a:cs typeface="+mn-cs"/>
+              </a:rPr>
+              <a:t> the diagram, this can be seen by the shift of the demand curve from D0 to D1. </a:t>
+            </a:r>
+          </a:p>
+          <a:p>
+            <a:endParaRPr lang="en-US" sz="1200" kern="1200" dirty="0" smtClean="0">
+              <a:solidFill>
+                <a:schemeClr val="tx1"/>
+              </a:solidFill>
+              <a:effectLst/>
+              <a:latin typeface="+mn-lt"/>
+              <a:ea typeface="+mn-ea"/>
+              <a:cs typeface="+mn-cs"/>
+            </a:endParaRPr>
+          </a:p>
+          <a:p>
+            <a:r>
+              <a:rPr lang="en-US" sz="1200" kern="1200" dirty="0" smtClean="0">
+                <a:solidFill>
+                  <a:schemeClr val="tx1"/>
+                </a:solidFill>
+                <a:effectLst/>
+                <a:latin typeface="+mn-lt"/>
+                <a:ea typeface="+mn-ea"/>
+                <a:cs typeface="+mn-cs"/>
+              </a:rPr>
+              <a:t>The conferral of benefits to workers, monetary or otherwise, increases the total value of employment for workers and accordingly increases labor supply and reduces the wedge imposed by the tax. This is illustrated by the shift in supply</a:t>
+            </a:r>
+            <a:r>
+              <a:rPr lang="en-US" sz="1200" kern="1200" baseline="0" dirty="0" smtClean="0">
+                <a:solidFill>
+                  <a:schemeClr val="tx1"/>
+                </a:solidFill>
+                <a:effectLst/>
+                <a:latin typeface="+mn-lt"/>
+                <a:ea typeface="+mn-ea"/>
+                <a:cs typeface="+mn-cs"/>
+              </a:rPr>
+              <a:t> from S0 to S1. </a:t>
+            </a:r>
+            <a:endParaRPr lang="en-US" sz="1200" kern="1200" dirty="0" smtClean="0">
+              <a:solidFill>
+                <a:schemeClr val="tx1"/>
+              </a:solidFill>
+              <a:effectLst/>
+              <a:latin typeface="+mn-lt"/>
+              <a:ea typeface="+mn-ea"/>
+              <a:cs typeface="+mn-cs"/>
+            </a:endParaRPr>
+          </a:p>
+          <a:p>
+            <a:endParaRPr lang="en-US" sz="1200" kern="1200" dirty="0" smtClean="0">
+              <a:solidFill>
+                <a:schemeClr val="tx1"/>
+              </a:solidFill>
+              <a:effectLst/>
+              <a:latin typeface="+mn-lt"/>
+              <a:ea typeface="+mn-ea"/>
+              <a:cs typeface="+mn-cs"/>
+            </a:endParaRPr>
+          </a:p>
+          <a:p>
+            <a:r>
+              <a:rPr lang="en-US" sz="1200" kern="1200" dirty="0" smtClean="0">
+                <a:solidFill>
+                  <a:schemeClr val="tx1"/>
+                </a:solidFill>
+                <a:effectLst/>
+                <a:latin typeface="+mn-lt"/>
+                <a:ea typeface="+mn-ea"/>
+                <a:cs typeface="+mn-cs"/>
+              </a:rPr>
+              <a:t>Except for the special case in which employees value benefits at exactly the value of lost wages, there will remain a residual wedge between supply and demand, resulting in lower employment than equilibrium in the absence of the tax. </a:t>
+            </a:r>
+          </a:p>
+          <a:p>
+            <a:endParaRPr lang="en-US" sz="1200" kern="1200" dirty="0" smtClean="0">
+              <a:solidFill>
+                <a:schemeClr val="tx1"/>
+              </a:solidFill>
+              <a:effectLst/>
+              <a:latin typeface="+mn-lt"/>
+              <a:ea typeface="+mn-ea"/>
+              <a:cs typeface="+mn-cs"/>
+            </a:endParaRPr>
+          </a:p>
+          <a:p>
+            <a:r>
+              <a:rPr lang="en-US" sz="1200" kern="1200" dirty="0" smtClean="0">
+                <a:solidFill>
+                  <a:schemeClr val="tx1"/>
+                </a:solidFill>
+                <a:effectLst/>
+                <a:latin typeface="+mn-lt"/>
+                <a:ea typeface="+mn-ea"/>
+                <a:cs typeface="+mn-cs"/>
+              </a:rPr>
+              <a:t>This diagram illustrates the case in which workers</a:t>
+            </a:r>
+            <a:r>
+              <a:rPr lang="en-US" sz="1200" kern="1200" baseline="0" dirty="0" smtClean="0">
+                <a:solidFill>
+                  <a:schemeClr val="tx1"/>
+                </a:solidFill>
+                <a:effectLst/>
+                <a:latin typeface="+mn-lt"/>
+                <a:ea typeface="+mn-ea"/>
+                <a:cs typeface="+mn-cs"/>
+              </a:rPr>
+              <a:t> value benefits at less than the cost to employers, so wages fall from W0 to W2, and employment falls from L0 to L2. </a:t>
+            </a:r>
+            <a:endParaRPr lang="en-US" dirty="0"/>
+          </a:p>
+        </p:txBody>
+      </p:sp>
+      <p:sp>
+        <p:nvSpPr>
+          <p:cNvPr id="4" name="Slide Number Placeholder 3"/>
+          <p:cNvSpPr>
+            <a:spLocks noGrp="1"/>
+          </p:cNvSpPr>
+          <p:nvPr>
+            <p:ph type="sldNum" sz="quarter" idx="10"/>
+          </p:nvPr>
+        </p:nvSpPr>
+        <p:spPr/>
+        <p:txBody>
+          <a:bodyPr/>
+          <a:lstStyle/>
+          <a:p>
+            <a:fld id="{41A4063A-F033-4EA7-A7ED-7C0776899A7A}" type="slidenum">
+              <a:rPr lang="en-US" smtClean="0"/>
+              <a:t>13</a:t>
+            </a:fld>
+            <a:endParaRPr lang="en-US"/>
+          </a:p>
+        </p:txBody>
+      </p:sp>
+    </p:spTree>
+    <p:extLst>
+      <p:ext uri="{BB962C8B-B14F-4D97-AF65-F5344CB8AC3E}">
+        <p14:creationId xmlns:p14="http://schemas.microsoft.com/office/powerpoint/2010/main" val="724722612"/>
+      </p:ext>
+    </p:extLst>
+  </p:cSld>
+  <p:clrMapOvr>
+    <a:masterClrMapping/>
+  </p:clrMapOvr>
+</p:notes>
+</file>
+
+<file path=ppt/notesSlides/notesSlide12.xml><?xml version="1.0" encoding="utf-8"?>
+<p:notes xmlns:a="http://schemas.openxmlformats.org/drawingml/2006/main" xmlns:r="http://schemas.openxmlformats.org/officeDocument/2006/relationships" xmlns:p="http://schemas.openxmlformats.org/presentationml/2006/main">
+  <p:cSld>
+    <p:spTree>
+      <p:nvGrpSpPr>
+        <p:cNvPr id="1" name=""/>
+        <p:cNvGrpSpPr/>
+        <p:nvPr/>
+      </p:nvGrpSpPr>
+      <p:grpSpPr>
+        <a:xfrm>
+          <a:off x="0" y="0"/>
+          <a:ext cx="0" cy="0"/>
+          <a:chOff x="0" y="0"/>
+          <a:chExt cx="0" cy="0"/>
+        </a:xfrm>
+      </p:grpSpPr>
+      <p:sp>
+        <p:nvSpPr>
+          <p:cNvPr id="2" name="Slide Image Placeholder 1"/>
+          <p:cNvSpPr>
+            <a:spLocks noGrp="1" noRot="1" noChangeAspect="1"/>
+          </p:cNvSpPr>
+          <p:nvPr>
+            <p:ph type="sldImg"/>
+          </p:nvPr>
+        </p:nvSpPr>
+        <p:spPr/>
+      </p:sp>
+      <p:sp>
+        <p:nvSpPr>
+          <p:cNvPr id="3" name="Notes Placeholder 2"/>
+          <p:cNvSpPr>
+            <a:spLocks noGrp="1"/>
+          </p:cNvSpPr>
+          <p:nvPr>
+            <p:ph type="body" idx="1"/>
+          </p:nvPr>
+        </p:nvSpPr>
+        <p:spPr/>
+        <p:txBody>
+          <a:bodyPr/>
+          <a:lstStyle/>
+          <a:p>
+            <a:r>
+              <a:rPr lang="en-US" dirty="0" smtClean="0"/>
+              <a:t>The simple theory is complicated by a</a:t>
+            </a:r>
+            <a:r>
+              <a:rPr lang="en-US" baseline="0" dirty="0" smtClean="0"/>
+              <a:t> number of factors. Although the tax is imposed upon all workers, the benefits are conferred only to those planning to start families. Additionally, considering the findings</a:t>
+            </a:r>
+            <a:r>
+              <a:rPr lang="en-US" sz="1200" kern="1200" dirty="0" smtClean="0">
+                <a:solidFill>
+                  <a:schemeClr val="tx1"/>
+                </a:solidFill>
+                <a:effectLst/>
+                <a:latin typeface="+mn-lt"/>
+                <a:ea typeface="+mn-ea"/>
+                <a:cs typeface="+mn-cs"/>
+              </a:rPr>
+              <a:t> by Slater et al. (2012), and Baum and Ruhm (2014), that women take paid family leave for longer periods of time and in greater proportion than men,</a:t>
+            </a:r>
+            <a:r>
+              <a:rPr lang="en-US" sz="1200" kern="1200" baseline="0" dirty="0" smtClean="0">
+                <a:solidFill>
+                  <a:schemeClr val="tx1"/>
+                </a:solidFill>
+                <a:effectLst/>
+                <a:latin typeface="+mn-lt"/>
+                <a:ea typeface="+mn-ea"/>
+                <a:cs typeface="+mn-cs"/>
+              </a:rPr>
+              <a:t> the benefits yielded are likely to be greater for young women than any other demographic group. </a:t>
+            </a:r>
+          </a:p>
+          <a:p>
+            <a:endParaRPr lang="en-US" sz="1200" kern="1200" baseline="0" dirty="0" smtClean="0">
+              <a:solidFill>
+                <a:schemeClr val="tx1"/>
+              </a:solidFill>
+              <a:effectLst/>
+              <a:latin typeface="+mn-lt"/>
+              <a:ea typeface="+mn-ea"/>
+              <a:cs typeface="+mn-cs"/>
+            </a:endParaRPr>
+          </a:p>
+          <a:p>
+            <a:r>
+              <a:rPr lang="en-US" sz="1200" kern="1200" baseline="0" dirty="0" smtClean="0">
+                <a:solidFill>
+                  <a:schemeClr val="tx1"/>
+                </a:solidFill>
+                <a:effectLst/>
+                <a:latin typeface="+mn-lt"/>
+                <a:ea typeface="+mn-ea"/>
+                <a:cs typeface="+mn-cs"/>
+              </a:rPr>
+              <a:t>It is also possible that the mandate may impose costs other than the strict monetary cost of the tax. When workers take leave, </a:t>
+            </a:r>
+            <a:r>
+              <a:rPr lang="en-US" sz="1200" kern="1200" dirty="0" smtClean="0">
+                <a:solidFill>
+                  <a:schemeClr val="tx1"/>
+                </a:solidFill>
+                <a:effectLst/>
+                <a:latin typeface="+mn-lt"/>
+                <a:ea typeface="+mn-ea"/>
+                <a:cs typeface="+mn-cs"/>
+              </a:rPr>
+              <a:t>firms may be required to hire temporary, less productive, replacement labor. Furthermore,</a:t>
+            </a:r>
+            <a:r>
+              <a:rPr lang="en-US" sz="1200" kern="1200" baseline="0" dirty="0" smtClean="0">
+                <a:solidFill>
+                  <a:schemeClr val="tx1"/>
+                </a:solidFill>
+                <a:effectLst/>
+                <a:latin typeface="+mn-lt"/>
+                <a:ea typeface="+mn-ea"/>
+                <a:cs typeface="+mn-cs"/>
+              </a:rPr>
+              <a:t> if</a:t>
+            </a:r>
+            <a:r>
+              <a:rPr lang="en-US" sz="1200" kern="1200" dirty="0" smtClean="0">
+                <a:solidFill>
+                  <a:schemeClr val="tx1"/>
+                </a:solidFill>
+                <a:effectLst/>
+                <a:latin typeface="+mn-lt"/>
+                <a:ea typeface="+mn-ea"/>
+                <a:cs typeface="+mn-cs"/>
+              </a:rPr>
+              <a:t> the employee’s firm-specific skills depreciate during leave, firms may also have to bear the cost. </a:t>
+            </a:r>
+          </a:p>
+          <a:p>
+            <a:endParaRPr lang="en-US" sz="1200" kern="1200" dirty="0" smtClean="0">
+              <a:solidFill>
+                <a:schemeClr val="tx1"/>
+              </a:solidFill>
+              <a:effectLst/>
+              <a:latin typeface="+mn-lt"/>
+              <a:ea typeface="+mn-ea"/>
+              <a:cs typeface="+mn-cs"/>
+            </a:endParaRPr>
+          </a:p>
+          <a:p>
+            <a:r>
+              <a:rPr lang="en-US" sz="1200" kern="1200" dirty="0" smtClean="0">
+                <a:solidFill>
+                  <a:schemeClr val="tx1"/>
+                </a:solidFill>
+                <a:effectLst/>
+                <a:latin typeface="+mn-lt"/>
+                <a:ea typeface="+mn-ea"/>
+                <a:cs typeface="+mn-cs"/>
+              </a:rPr>
+              <a:t>These costs may cause firms to reduce demand for labor of young women in favor of older women and men.</a:t>
+            </a:r>
+            <a:r>
+              <a:rPr lang="en-US" sz="1200" kern="1200" baseline="0" dirty="0" smtClean="0">
+                <a:solidFill>
+                  <a:schemeClr val="tx1"/>
+                </a:solidFill>
+                <a:effectLst/>
+                <a:latin typeface="+mn-lt"/>
+                <a:ea typeface="+mn-ea"/>
+                <a:cs typeface="+mn-cs"/>
+              </a:rPr>
+              <a:t> This could have implications for employment outcomes, as the increased labor-force participation of young women in combination with reduced demand for their labor could result in an increase in unemployment. </a:t>
+            </a:r>
+          </a:p>
+          <a:p>
+            <a:endParaRPr lang="en-US" sz="1200" kern="1200" baseline="0" dirty="0" smtClean="0">
+              <a:solidFill>
+                <a:schemeClr val="tx1"/>
+              </a:solidFill>
+              <a:effectLst/>
+              <a:latin typeface="+mn-lt"/>
+              <a:ea typeface="+mn-ea"/>
+              <a:cs typeface="+mn-cs"/>
+            </a:endParaRPr>
+          </a:p>
+          <a:p>
+            <a:r>
+              <a:rPr lang="en-US" sz="1200" kern="1200" baseline="0" dirty="0" smtClean="0">
+                <a:solidFill>
+                  <a:schemeClr val="tx1"/>
+                </a:solidFill>
+                <a:effectLst/>
+                <a:latin typeface="+mn-lt"/>
+                <a:ea typeface="+mn-ea"/>
+                <a:cs typeface="+mn-cs"/>
+              </a:rPr>
+              <a:t>However, just as there may be additional costs of the mandate for young women, there may be additional benefits. The economic literature suggests that paid family leave policies may increase job-continuity of young mothers, and lead to associated positive effects on their labor-participation, employment, </a:t>
+            </a:r>
+            <a:r>
+              <a:rPr lang="en-US" sz="1200" kern="1200" baseline="0" smtClean="0">
+                <a:solidFill>
+                  <a:schemeClr val="tx1"/>
+                </a:solidFill>
+                <a:effectLst/>
+                <a:latin typeface="+mn-lt"/>
+                <a:ea typeface="+mn-ea"/>
+                <a:cs typeface="+mn-cs"/>
+              </a:rPr>
+              <a:t>and wages. </a:t>
+            </a:r>
+            <a:endParaRPr lang="en-US" dirty="0"/>
+          </a:p>
+        </p:txBody>
+      </p:sp>
+      <p:sp>
+        <p:nvSpPr>
+          <p:cNvPr id="4" name="Slide Number Placeholder 3"/>
+          <p:cNvSpPr>
+            <a:spLocks noGrp="1"/>
+          </p:cNvSpPr>
+          <p:nvPr>
+            <p:ph type="sldNum" sz="quarter" idx="10"/>
+          </p:nvPr>
+        </p:nvSpPr>
+        <p:spPr/>
+        <p:txBody>
+          <a:bodyPr/>
+          <a:lstStyle/>
+          <a:p>
+            <a:fld id="{41A4063A-F033-4EA7-A7ED-7C0776899A7A}" type="slidenum">
+              <a:rPr lang="en-US" smtClean="0"/>
+              <a:t>14</a:t>
+            </a:fld>
+            <a:endParaRPr lang="en-US"/>
+          </a:p>
+        </p:txBody>
+      </p:sp>
+    </p:spTree>
+    <p:extLst>
+      <p:ext uri="{BB962C8B-B14F-4D97-AF65-F5344CB8AC3E}">
+        <p14:creationId xmlns:p14="http://schemas.microsoft.com/office/powerpoint/2010/main" val="3477980294"/>
       </p:ext>
     </p:extLst>
   </p:cSld>
@@ -5589,6 +6080,233 @@
 </p:sld>
 </file>
 
+<file path=ppt/slides/slide13.xml><?xml version="1.0" encoding="utf-8"?>
+<p:sld xmlns:a="http://schemas.openxmlformats.org/drawingml/2006/main" xmlns:r="http://schemas.openxmlformats.org/officeDocument/2006/relationships" xmlns:p="http://schemas.openxmlformats.org/presentationml/2006/main">
+  <p:cSld>
+    <p:spTree>
+      <p:nvGrpSpPr>
+        <p:cNvPr id="1" name=""/>
+        <p:cNvGrpSpPr/>
+        <p:nvPr/>
+      </p:nvGrpSpPr>
+      <p:grpSpPr>
+        <a:xfrm>
+          <a:off x="0" y="0"/>
+          <a:ext cx="0" cy="0"/>
+          <a:chOff x="0" y="0"/>
+          <a:chExt cx="0" cy="0"/>
+        </a:xfrm>
+      </p:grpSpPr>
+      <p:sp>
+        <p:nvSpPr>
+          <p:cNvPr id="2" name="Title 1"/>
+          <p:cNvSpPr>
+            <a:spLocks noGrp="1"/>
+          </p:cNvSpPr>
+          <p:nvPr>
+            <p:ph type="title"/>
+          </p:nvPr>
+        </p:nvSpPr>
+        <p:spPr/>
+        <p:txBody>
+          <a:bodyPr/>
+          <a:lstStyle/>
+          <a:p>
+            <a:pPr algn="ctr"/>
+            <a:r>
+              <a:rPr lang="en-US" dirty="0" smtClean="0"/>
+              <a:t>Theory of Mandated Benefits</a:t>
+            </a:r>
+            <a:endParaRPr lang="en-US" dirty="0"/>
+          </a:p>
+        </p:txBody>
+      </p:sp>
+      <p:pic>
+        <p:nvPicPr>
+          <p:cNvPr id="8" name="Content Placeholder 7"/>
+          <p:cNvPicPr>
+            <a:picLocks noGrp="1" noChangeAspect="1"/>
+          </p:cNvPicPr>
+          <p:nvPr>
+            <p:ph idx="1"/>
+          </p:nvPr>
+        </p:nvPicPr>
+        <p:blipFill>
+          <a:blip r:embed="rId3"/>
+          <a:stretch>
+            <a:fillRect/>
+          </a:stretch>
+        </p:blipFill>
+        <p:spPr>
+          <a:xfrm>
+            <a:off x="3173903" y="1862305"/>
+            <a:ext cx="5905154" cy="4022725"/>
+          </a:xfrm>
+          <a:prstGeom prst="rect">
+            <a:avLst/>
+          </a:prstGeom>
+        </p:spPr>
+      </p:pic>
+      <p:sp>
+        <p:nvSpPr>
+          <p:cNvPr id="9" name="TextBox 8"/>
+          <p:cNvSpPr txBox="1"/>
+          <p:nvPr/>
+        </p:nvSpPr>
+        <p:spPr>
+          <a:xfrm>
+            <a:off x="786063" y="5759116"/>
+            <a:ext cx="10491537" cy="369332"/>
+          </a:xfrm>
+          <a:prstGeom prst="rect">
+            <a:avLst/>
+          </a:prstGeom>
+          <a:noFill/>
+        </p:spPr>
+        <p:txBody>
+          <a:bodyPr wrap="square" rtlCol="0">
+            <a:spAutoFit/>
+          </a:bodyPr>
+          <a:lstStyle/>
+          <a:p>
+            <a:pPr algn="ctr"/>
+            <a:r>
+              <a:rPr lang="en-US" dirty="0" smtClean="0"/>
+              <a:t>Figure sourced from Gruber, Jonathan (2000) “Payroll Taxation, Employer Mandates, and the Labor Market”</a:t>
+            </a:r>
+            <a:endParaRPr lang="en-US" dirty="0"/>
+          </a:p>
+        </p:txBody>
+      </p:sp>
+    </p:spTree>
+    <p:extLst>
+      <p:ext uri="{BB962C8B-B14F-4D97-AF65-F5344CB8AC3E}">
+        <p14:creationId xmlns:p14="http://schemas.microsoft.com/office/powerpoint/2010/main" val="1675124744"/>
+      </p:ext>
+    </p:extLst>
+  </p:cSld>
+  <p:clrMapOvr>
+    <a:masterClrMapping/>
+  </p:clrMapOvr>
+</p:sld>
+</file>
+
+<file path=ppt/slides/slide14.xml><?xml version="1.0" encoding="utf-8"?>
+<p:sld xmlns:a="http://schemas.openxmlformats.org/drawingml/2006/main" xmlns:r="http://schemas.openxmlformats.org/officeDocument/2006/relationships" xmlns:p="http://schemas.openxmlformats.org/presentationml/2006/main">
+  <p:cSld>
+    <p:spTree>
+      <p:nvGrpSpPr>
+        <p:cNvPr id="1" name=""/>
+        <p:cNvGrpSpPr/>
+        <p:nvPr/>
+      </p:nvGrpSpPr>
+      <p:grpSpPr>
+        <a:xfrm>
+          <a:off x="0" y="0"/>
+          <a:ext cx="0" cy="0"/>
+          <a:chOff x="0" y="0"/>
+          <a:chExt cx="0" cy="0"/>
+        </a:xfrm>
+      </p:grpSpPr>
+      <p:sp>
+        <p:nvSpPr>
+          <p:cNvPr id="2" name="Title 1"/>
+          <p:cNvSpPr>
+            <a:spLocks noGrp="1"/>
+          </p:cNvSpPr>
+          <p:nvPr>
+            <p:ph type="title"/>
+          </p:nvPr>
+        </p:nvSpPr>
+        <p:spPr/>
+        <p:txBody>
+          <a:bodyPr/>
+          <a:lstStyle/>
+          <a:p>
+            <a:pPr algn="ctr"/>
+            <a:r>
+              <a:rPr lang="en-US" dirty="0"/>
+              <a:t>Theory of Mandated Benefits</a:t>
+            </a:r>
+          </a:p>
+        </p:txBody>
+      </p:sp>
+      <p:sp>
+        <p:nvSpPr>
+          <p:cNvPr id="3" name="Content Placeholder 2"/>
+          <p:cNvSpPr>
+            <a:spLocks noGrp="1"/>
+          </p:cNvSpPr>
+          <p:nvPr>
+            <p:ph idx="1"/>
+          </p:nvPr>
+        </p:nvSpPr>
+        <p:spPr/>
+        <p:txBody>
+          <a:bodyPr/>
+          <a:lstStyle/>
+          <a:p>
+            <a:r>
+              <a:rPr lang="en-US" dirty="0" smtClean="0"/>
+              <a:t>Application to California and New Jersey Paid Family Leave</a:t>
+            </a:r>
+          </a:p>
+          <a:p>
+            <a:pPr>
+              <a:buFont typeface="Wingdings" panose="05000000000000000000" pitchFamily="2" charset="2"/>
+              <a:buChar char="§"/>
+            </a:pPr>
+            <a:r>
+              <a:rPr lang="en-US" dirty="0" smtClean="0"/>
+              <a:t>Tax is applied to all workers</a:t>
+            </a:r>
+          </a:p>
+          <a:p>
+            <a:pPr>
+              <a:buFont typeface="Wingdings" panose="05000000000000000000" pitchFamily="2" charset="2"/>
+              <a:buChar char="§"/>
+            </a:pPr>
+            <a:r>
+              <a:rPr lang="en-US" dirty="0" smtClean="0"/>
+              <a:t>Benefits are conferred only to some workers</a:t>
+            </a:r>
+          </a:p>
+          <a:p>
+            <a:pPr>
+              <a:buFont typeface="Wingdings" panose="05000000000000000000" pitchFamily="2" charset="2"/>
+              <a:buChar char="§"/>
+            </a:pPr>
+            <a:r>
+              <a:rPr lang="en-US" dirty="0" smtClean="0"/>
+              <a:t>There may be additional costs besides the payroll tax</a:t>
+            </a:r>
+          </a:p>
+          <a:p>
+            <a:pPr>
+              <a:buFont typeface="Wingdings" panose="05000000000000000000" pitchFamily="2" charset="2"/>
+              <a:buChar char="§"/>
+            </a:pPr>
+            <a:r>
+              <a:rPr lang="en-US" dirty="0" smtClean="0"/>
+              <a:t>There may be additional benefits to mothers</a:t>
+            </a:r>
+            <a:endParaRPr lang="en-US" dirty="0"/>
+          </a:p>
+        </p:txBody>
+      </p:sp>
+    </p:spTree>
+    <p:extLst>
+      <p:ext uri="{BB962C8B-B14F-4D97-AF65-F5344CB8AC3E}">
+        <p14:creationId xmlns:p14="http://schemas.microsoft.com/office/powerpoint/2010/main" val="728669164"/>
+      </p:ext>
+    </p:extLst>
+  </p:cSld>
+  <p:clrMapOvr>
+    <a:masterClrMapping/>
+  </p:clrMapOvr>
+</p:sld>
+</file>
+
 <file path=ppt/slides/slide2.xml><?xml version="1.0" encoding="utf-8"?>
 <p:sld xmlns:a="http://schemas.openxmlformats.org/drawingml/2006/main" xmlns:r="http://schemas.openxmlformats.org/officeDocument/2006/relationships" xmlns:p="http://schemas.openxmlformats.org/presentationml/2006/main">
   <p:cSld>
@@ -5946,11 +6664,7 @@
             </a:r>
             <a:r>
               <a:rPr lang="en-US" dirty="0" smtClean="0"/>
-              <a:t>(Das and Polachek 2015</a:t>
-            </a:r>
-            <a:r>
-              <a:rPr lang="en-US" dirty="0" smtClean="0"/>
-              <a:t>)</a:t>
+              <a:t>(Das and Polachek 2015)</a:t>
             </a:r>
           </a:p>
           <a:p>
